--- a/2021-02-21 DotnetKonf/Presentation.pptx
+++ b/2021-02-21 DotnetKonf/Presentation.pptx
@@ -7,9 +7,13 @@
   <p:sldIdLst>
     <p:sldId id="257" r:id="rId2"/>
     <p:sldId id="309" r:id="rId3"/>
-    <p:sldId id="310" r:id="rId4"/>
-    <p:sldId id="316" r:id="rId5"/>
-    <p:sldId id="317" r:id="rId6"/>
+    <p:sldId id="318" r:id="rId4"/>
+    <p:sldId id="310" r:id="rId5"/>
+    <p:sldId id="316" r:id="rId6"/>
+    <p:sldId id="317" r:id="rId7"/>
+    <p:sldId id="320" r:id="rId8"/>
+    <p:sldId id="321" r:id="rId9"/>
+    <p:sldId id="319" r:id="rId10"/>
   </p:sldIdLst>
   <p:sldSz cx="12192000" cy="6858000"/>
   <p:notesSz cx="6858000" cy="9144000"/>
@@ -108,6 +112,11 @@
       </a:defRPr>
     </a:lvl9pPr>
   </p:defaultTextStyle>
+  <p:extLst>
+    <p:ext uri="{EFAFB233-063F-42B5-8137-9DF3F51BA10A}">
+      <p15:sldGuideLst xmlns:p15="http://schemas.microsoft.com/office/powerpoint/2012/main"/>
+    </p:ext>
+  </p:extLst>
 </p:presentation>
 </file>
 
@@ -258,7 +267,7 @@
           <a:p>
             <a:fld id="{CAB1DAB4-EB3D-4BA1-8F1B-D0F01AD1EF8D}" type="datetimeFigureOut">
               <a:rPr lang="en-US" smtClean="0"/>
-              <a:t>30-Jan-21</a:t>
+              <a:t>20-Feb-21</a:t>
             </a:fld>
             <a:endParaRPr lang="en-US"/>
           </a:p>
@@ -456,7 +465,7 @@
           <a:p>
             <a:fld id="{CAB1DAB4-EB3D-4BA1-8F1B-D0F01AD1EF8D}" type="datetimeFigureOut">
               <a:rPr lang="en-US" smtClean="0"/>
-              <a:t>30-Jan-21</a:t>
+              <a:t>20-Feb-21</a:t>
             </a:fld>
             <a:endParaRPr lang="en-US"/>
           </a:p>
@@ -664,7 +673,7 @@
           <a:p>
             <a:fld id="{CAB1DAB4-EB3D-4BA1-8F1B-D0F01AD1EF8D}" type="datetimeFigureOut">
               <a:rPr lang="en-US" smtClean="0"/>
-              <a:t>30-Jan-21</a:t>
+              <a:t>20-Feb-21</a:t>
             </a:fld>
             <a:endParaRPr lang="en-US"/>
           </a:p>
@@ -862,7 +871,7 @@
           <a:p>
             <a:fld id="{CAB1DAB4-EB3D-4BA1-8F1B-D0F01AD1EF8D}" type="datetimeFigureOut">
               <a:rPr lang="en-US" smtClean="0"/>
-              <a:t>30-Jan-21</a:t>
+              <a:t>20-Feb-21</a:t>
             </a:fld>
             <a:endParaRPr lang="en-US"/>
           </a:p>
@@ -1137,7 +1146,7 @@
           <a:p>
             <a:fld id="{CAB1DAB4-EB3D-4BA1-8F1B-D0F01AD1EF8D}" type="datetimeFigureOut">
               <a:rPr lang="en-US" smtClean="0"/>
-              <a:t>30-Jan-21</a:t>
+              <a:t>20-Feb-21</a:t>
             </a:fld>
             <a:endParaRPr lang="en-US"/>
           </a:p>
@@ -1402,7 +1411,7 @@
           <a:p>
             <a:fld id="{CAB1DAB4-EB3D-4BA1-8F1B-D0F01AD1EF8D}" type="datetimeFigureOut">
               <a:rPr lang="en-US" smtClean="0"/>
-              <a:t>30-Jan-21</a:t>
+              <a:t>20-Feb-21</a:t>
             </a:fld>
             <a:endParaRPr lang="en-US"/>
           </a:p>
@@ -1814,7 +1823,7 @@
           <a:p>
             <a:fld id="{CAB1DAB4-EB3D-4BA1-8F1B-D0F01AD1EF8D}" type="datetimeFigureOut">
               <a:rPr lang="en-US" smtClean="0"/>
-              <a:t>30-Jan-21</a:t>
+              <a:t>20-Feb-21</a:t>
             </a:fld>
             <a:endParaRPr lang="en-US"/>
           </a:p>
@@ -1955,7 +1964,7 @@
           <a:p>
             <a:fld id="{CAB1DAB4-EB3D-4BA1-8F1B-D0F01AD1EF8D}" type="datetimeFigureOut">
               <a:rPr lang="en-US" smtClean="0"/>
-              <a:t>30-Jan-21</a:t>
+              <a:t>20-Feb-21</a:t>
             </a:fld>
             <a:endParaRPr lang="en-US"/>
           </a:p>
@@ -2068,7 +2077,7 @@
           <a:p>
             <a:fld id="{CAB1DAB4-EB3D-4BA1-8F1B-D0F01AD1EF8D}" type="datetimeFigureOut">
               <a:rPr lang="en-US" smtClean="0"/>
-              <a:t>30-Jan-21</a:t>
+              <a:t>20-Feb-21</a:t>
             </a:fld>
             <a:endParaRPr lang="en-US"/>
           </a:p>
@@ -2379,7 +2388,7 @@
           <a:p>
             <a:fld id="{CAB1DAB4-EB3D-4BA1-8F1B-D0F01AD1EF8D}" type="datetimeFigureOut">
               <a:rPr lang="en-US" smtClean="0"/>
-              <a:t>30-Jan-21</a:t>
+              <a:t>20-Feb-21</a:t>
             </a:fld>
             <a:endParaRPr lang="en-US"/>
           </a:p>
@@ -2667,7 +2676,7 @@
           <a:p>
             <a:fld id="{CAB1DAB4-EB3D-4BA1-8F1B-D0F01AD1EF8D}" type="datetimeFigureOut">
               <a:rPr lang="en-US" smtClean="0"/>
-              <a:t>30-Jan-21</a:t>
+              <a:t>20-Feb-21</a:t>
             </a:fld>
             <a:endParaRPr lang="en-US"/>
           </a:p>
@@ -2908,7 +2917,7 @@
           <a:p>
             <a:fld id="{CAB1DAB4-EB3D-4BA1-8F1B-D0F01AD1EF8D}" type="datetimeFigureOut">
               <a:rPr lang="en-US" smtClean="0"/>
-              <a:t>30-Jan-21</a:t>
+              <a:t>20-Feb-21</a:t>
             </a:fld>
             <a:endParaRPr lang="en-US"/>
           </a:p>
@@ -3523,19 +3532,19 @@
               </a:rPr>
             </a:br>
             <a:r>
-              <a:rPr lang="en-US" sz="4800" dirty="0" err="1">
+              <a:rPr lang="en-US" sz="4000" dirty="0" err="1">
                 <a:latin typeface="HelveticaNeueLT Std Med Cn" panose="020B0606030502030204" pitchFamily="34" charset="0"/>
               </a:rPr>
               <a:t>Halil</a:t>
             </a:r>
             <a:r>
-              <a:rPr lang="en-US" sz="4800" dirty="0">
+              <a:rPr lang="en-US" sz="4000" dirty="0">
                 <a:latin typeface="HelveticaNeueLT Std Med Cn" panose="020B0606030502030204" pitchFamily="34" charset="0"/>
               </a:rPr>
               <a:t> İbrahim </a:t>
             </a:r>
             <a:r>
-              <a:rPr lang="en-US" sz="4800" dirty="0" err="1">
+              <a:rPr lang="en-US" sz="4000" dirty="0" err="1">
                 <a:latin typeface="HelveticaNeueLT Std Med Cn" panose="020B0606030502030204" pitchFamily="34" charset="0"/>
               </a:rPr>
               <a:t>Kalkan</a:t>
@@ -3741,8 +3750,8 @@
         </p:nvSpPr>
         <p:spPr>
           <a:xfrm>
-            <a:off x="3337560" y="3088938"/>
-            <a:ext cx="2766636" cy="523220"/>
+            <a:off x="4054467" y="3138279"/>
+            <a:ext cx="2041533" cy="400110"/>
           </a:xfrm>
           <a:prstGeom prst="rect">
             <a:avLst/>
@@ -3755,12 +3764,12 @@
           <a:lstStyle/>
           <a:p>
             <a:r>
-              <a:rPr lang="en-US" sz="2800" dirty="0">
+              <a:rPr lang="en-US" sz="2000" dirty="0">
                 <a:latin typeface="HelveticaNeueLT Std Med Cn" panose="020B0606030502030204" pitchFamily="34" charset="0"/>
               </a:rPr>
               <a:t>Co-Founder of</a:t>
             </a:r>
-            <a:endParaRPr lang="en-US" sz="2800" dirty="0"/>
+            <a:endParaRPr lang="en-US" sz="2000" dirty="0"/>
           </a:p>
         </p:txBody>
       </p:sp>
@@ -3838,6 +3847,105 @@
 </file>
 
 <file path=ppt/slides/slide3.xml><?xml version="1.0" encoding="utf-8"?>
+<p:sld xmlns:a="http://schemas.openxmlformats.org/drawingml/2006/main" xmlns:r="http://schemas.openxmlformats.org/officeDocument/2006/relationships" xmlns:p="http://schemas.openxmlformats.org/presentationml/2006/main">
+  <p:cSld>
+    <p:spTree>
+      <p:nvGrpSpPr>
+        <p:cNvPr id="1" name=""/>
+        <p:cNvGrpSpPr/>
+        <p:nvPr/>
+      </p:nvGrpSpPr>
+      <p:grpSpPr>
+        <a:xfrm>
+          <a:off x="0" y="0"/>
+          <a:ext cx="0" cy="0"/>
+          <a:chOff x="0" y="0"/>
+          <a:chExt cx="0" cy="0"/>
+        </a:xfrm>
+      </p:grpSpPr>
+      <p:sp>
+        <p:nvSpPr>
+          <p:cNvPr id="2" name="Title 1">
+            <a:extLst>
+              <a:ext uri="{FF2B5EF4-FFF2-40B4-BE49-F238E27FC236}">
+                <a16:creationId xmlns:a16="http://schemas.microsoft.com/office/drawing/2014/main" id="{1B8747F1-4C2C-41DD-9255-DCAB23FF498F}"/>
+              </a:ext>
+            </a:extLst>
+          </p:cNvPr>
+          <p:cNvSpPr>
+            <a:spLocks noGrp="1"/>
+          </p:cNvSpPr>
+          <p:nvPr>
+            <p:ph type="title"/>
+          </p:nvPr>
+        </p:nvSpPr>
+        <p:spPr/>
+        <p:txBody>
+          <a:bodyPr/>
+          <a:lstStyle/>
+          <a:p>
+            <a:r>
+              <a:rPr lang="en-US" dirty="0"/>
+              <a:t>ABP Framework                       </a:t>
+            </a:r>
+            <a:r>
+              <a:rPr lang="en-US" dirty="0">
+                <a:solidFill>
+                  <a:schemeClr val="accent3">
+                    <a:lumMod val="60000"/>
+                    <a:lumOff val="40000"/>
+                  </a:schemeClr>
+                </a:solidFill>
+              </a:rPr>
+              <a:t> https://abp.io</a:t>
+            </a:r>
+          </a:p>
+        </p:txBody>
+      </p:sp>
+      <p:pic>
+        <p:nvPicPr>
+          <p:cNvPr id="5" name="Picture 4">
+            <a:extLst>
+              <a:ext uri="{FF2B5EF4-FFF2-40B4-BE49-F238E27FC236}">
+                <a16:creationId xmlns:a16="http://schemas.microsoft.com/office/drawing/2014/main" id="{5275C02A-031D-42AC-9189-4A7183EA9A77}"/>
+              </a:ext>
+            </a:extLst>
+          </p:cNvPr>
+          <p:cNvPicPr>
+            <a:picLocks noChangeAspect="1"/>
+          </p:cNvPicPr>
+          <p:nvPr/>
+        </p:nvPicPr>
+        <p:blipFill>
+          <a:blip r:embed="rId2"/>
+          <a:stretch>
+            <a:fillRect/>
+          </a:stretch>
+        </p:blipFill>
+        <p:spPr>
+          <a:xfrm>
+            <a:off x="838200" y="1746835"/>
+            <a:ext cx="9975319" cy="4605170"/>
+          </a:xfrm>
+          <a:prstGeom prst="rect">
+            <a:avLst/>
+          </a:prstGeom>
+        </p:spPr>
+      </p:pic>
+    </p:spTree>
+    <p:extLst>
+      <p:ext uri="{BB962C8B-B14F-4D97-AF65-F5344CB8AC3E}">
+        <p14:creationId xmlns:p14="http://schemas.microsoft.com/office/powerpoint/2010/main" val="360299851"/>
+      </p:ext>
+    </p:extLst>
+  </p:cSld>
+  <p:clrMapOvr>
+    <a:masterClrMapping/>
+  </p:clrMapOvr>
+</p:sld>
+</file>
+
+<file path=ppt/slides/slide4.xml><?xml version="1.0" encoding="utf-8"?>
 <p:sld xmlns:a="http://schemas.openxmlformats.org/drawingml/2006/main" xmlns:r="http://schemas.openxmlformats.org/officeDocument/2006/relationships" xmlns:p="http://schemas.openxmlformats.org/presentationml/2006/main">
   <p:cSld>
     <p:spTree>
@@ -4632,7 +4740,7 @@
 </p:sld>
 </file>
 
-<file path=ppt/slides/slide4.xml><?xml version="1.0" encoding="utf-8"?>
+<file path=ppt/slides/slide5.xml><?xml version="1.0" encoding="utf-8"?>
 <p:sld xmlns:a="http://schemas.openxmlformats.org/drawingml/2006/main" xmlns:r="http://schemas.openxmlformats.org/officeDocument/2006/relationships" xmlns:p="http://schemas.openxmlformats.org/presentationml/2006/main">
   <p:cSld>
     <p:spTree>
@@ -4692,7 +4800,7 @@
 </p:sld>
 </file>
 
-<file path=ppt/slides/slide5.xml><?xml version="1.0" encoding="utf-8"?>
+<file path=ppt/slides/slide6.xml><?xml version="1.0" encoding="utf-8"?>
 <p:sld xmlns:a="http://schemas.openxmlformats.org/drawingml/2006/main" xmlns:r="http://schemas.openxmlformats.org/officeDocument/2006/relationships" xmlns:p="http://schemas.openxmlformats.org/presentationml/2006/main">
   <p:cSld>
     <p:spTree>
@@ -4792,6 +4900,424 @@
     <p:extLst>
       <p:ext uri="{BB962C8B-B14F-4D97-AF65-F5344CB8AC3E}">
         <p14:creationId xmlns:p14="http://schemas.microsoft.com/office/powerpoint/2010/main" val="1514895858"/>
+      </p:ext>
+    </p:extLst>
+  </p:cSld>
+  <p:clrMapOvr>
+    <a:masterClrMapping/>
+  </p:clrMapOvr>
+</p:sld>
+</file>
+
+<file path=ppt/slides/slide7.xml><?xml version="1.0" encoding="utf-8"?>
+<p:sld xmlns:a="http://schemas.openxmlformats.org/drawingml/2006/main" xmlns:r="http://schemas.openxmlformats.org/officeDocument/2006/relationships" xmlns:p="http://schemas.openxmlformats.org/presentationml/2006/main">
+  <p:cSld>
+    <p:spTree>
+      <p:nvGrpSpPr>
+        <p:cNvPr id="1" name=""/>
+        <p:cNvGrpSpPr/>
+        <p:nvPr/>
+      </p:nvGrpSpPr>
+      <p:grpSpPr>
+        <a:xfrm>
+          <a:off x="0" y="0"/>
+          <a:ext cx="0" cy="0"/>
+          <a:chOff x="0" y="0"/>
+          <a:chExt cx="0" cy="0"/>
+        </a:xfrm>
+      </p:grpSpPr>
+      <p:sp>
+        <p:nvSpPr>
+          <p:cNvPr id="2" name="Title 1">
+            <a:extLst>
+              <a:ext uri="{FF2B5EF4-FFF2-40B4-BE49-F238E27FC236}">
+                <a16:creationId xmlns:a16="http://schemas.microsoft.com/office/drawing/2014/main" id="{DC9B0F58-1600-499B-8EEB-6D67E678C459}"/>
+              </a:ext>
+            </a:extLst>
+          </p:cNvPr>
+          <p:cNvSpPr>
+            <a:spLocks noGrp="1"/>
+          </p:cNvSpPr>
+          <p:nvPr>
+            <p:ph type="title"/>
+          </p:nvPr>
+        </p:nvSpPr>
+        <p:spPr/>
+        <p:txBody>
+          <a:bodyPr/>
+          <a:lstStyle/>
+          <a:p>
+            <a:r>
+              <a:rPr lang="en-US" dirty="0"/>
+              <a:t>@page directive</a:t>
+            </a:r>
+          </a:p>
+        </p:txBody>
+      </p:sp>
+      <p:pic>
+        <p:nvPicPr>
+          <p:cNvPr id="5" name="Picture 4">
+            <a:extLst>
+              <a:ext uri="{FF2B5EF4-FFF2-40B4-BE49-F238E27FC236}">
+                <a16:creationId xmlns:a16="http://schemas.microsoft.com/office/drawing/2014/main" id="{DBF5EB87-0429-47D6-961A-C78FB3041DDD}"/>
+              </a:ext>
+            </a:extLst>
+          </p:cNvPr>
+          <p:cNvPicPr>
+            <a:picLocks noChangeAspect="1"/>
+          </p:cNvPicPr>
+          <p:nvPr/>
+        </p:nvPicPr>
+        <p:blipFill>
+          <a:blip r:embed="rId2"/>
+          <a:stretch>
+            <a:fillRect/>
+          </a:stretch>
+        </p:blipFill>
+        <p:spPr>
+          <a:xfrm>
+            <a:off x="2259107" y="1945437"/>
+            <a:ext cx="7407620" cy="3747152"/>
+          </a:xfrm>
+          <a:prstGeom prst="rect">
+            <a:avLst/>
+          </a:prstGeom>
+        </p:spPr>
+      </p:pic>
+    </p:spTree>
+    <p:extLst>
+      <p:ext uri="{BB962C8B-B14F-4D97-AF65-F5344CB8AC3E}">
+        <p14:creationId xmlns:p14="http://schemas.microsoft.com/office/powerpoint/2010/main" val="278462229"/>
+      </p:ext>
+    </p:extLst>
+  </p:cSld>
+  <p:clrMapOvr>
+    <a:masterClrMapping/>
+  </p:clrMapOvr>
+</p:sld>
+</file>
+
+<file path=ppt/slides/slide8.xml><?xml version="1.0" encoding="utf-8"?>
+<p:sld xmlns:a="http://schemas.openxmlformats.org/drawingml/2006/main" xmlns:r="http://schemas.openxmlformats.org/officeDocument/2006/relationships" xmlns:p="http://schemas.openxmlformats.org/presentationml/2006/main">
+  <p:cSld>
+    <p:spTree>
+      <p:nvGrpSpPr>
+        <p:cNvPr id="1" name=""/>
+        <p:cNvGrpSpPr/>
+        <p:nvPr/>
+      </p:nvGrpSpPr>
+      <p:grpSpPr>
+        <a:xfrm>
+          <a:off x="0" y="0"/>
+          <a:ext cx="0" cy="0"/>
+          <a:chOff x="0" y="0"/>
+          <a:chExt cx="0" cy="0"/>
+        </a:xfrm>
+      </p:grpSpPr>
+      <p:sp>
+        <p:nvSpPr>
+          <p:cNvPr id="2" name="Title 1">
+            <a:extLst>
+              <a:ext uri="{FF2B5EF4-FFF2-40B4-BE49-F238E27FC236}">
+                <a16:creationId xmlns:a16="http://schemas.microsoft.com/office/drawing/2014/main" id="{2D6C9301-71C9-4F4A-B864-107013FB5761}"/>
+              </a:ext>
+            </a:extLst>
+          </p:cNvPr>
+          <p:cNvSpPr>
+            <a:spLocks noGrp="1"/>
+          </p:cNvSpPr>
+          <p:nvPr>
+            <p:ph type="title"/>
+          </p:nvPr>
+        </p:nvSpPr>
+        <p:spPr/>
+        <p:txBody>
+          <a:bodyPr/>
+          <a:lstStyle/>
+          <a:p>
+            <a:r>
+              <a:rPr lang="en-US" dirty="0"/>
+              <a:t>Code Behind (Partial Class)</a:t>
+            </a:r>
+          </a:p>
+        </p:txBody>
+      </p:sp>
+      <p:pic>
+        <p:nvPicPr>
+          <p:cNvPr id="7" name="Picture 6">
+            <a:extLst>
+              <a:ext uri="{FF2B5EF4-FFF2-40B4-BE49-F238E27FC236}">
+                <a16:creationId xmlns:a16="http://schemas.microsoft.com/office/drawing/2014/main" id="{EB9813D3-1825-43E1-AADB-43FC817DF05F}"/>
+              </a:ext>
+            </a:extLst>
+          </p:cNvPr>
+          <p:cNvPicPr>
+            <a:picLocks noChangeAspect="1"/>
+          </p:cNvPicPr>
+          <p:nvPr/>
+        </p:nvPicPr>
+        <p:blipFill>
+          <a:blip r:embed="rId2"/>
+          <a:stretch>
+            <a:fillRect/>
+          </a:stretch>
+        </p:blipFill>
+        <p:spPr>
+          <a:xfrm>
+            <a:off x="660106" y="3741565"/>
+            <a:ext cx="6254042" cy="2344652"/>
+          </a:xfrm>
+          <a:prstGeom prst="rect">
+            <a:avLst/>
+          </a:prstGeom>
+        </p:spPr>
+      </p:pic>
+      <p:pic>
+        <p:nvPicPr>
+          <p:cNvPr id="9" name="Picture 8">
+            <a:extLst>
+              <a:ext uri="{FF2B5EF4-FFF2-40B4-BE49-F238E27FC236}">
+                <a16:creationId xmlns:a16="http://schemas.microsoft.com/office/drawing/2014/main" id="{51284E8C-FE6D-4C46-A46A-2193CD6919DD}"/>
+              </a:ext>
+            </a:extLst>
+          </p:cNvPr>
+          <p:cNvPicPr>
+            <a:picLocks noChangeAspect="1"/>
+          </p:cNvPicPr>
+          <p:nvPr/>
+        </p:nvPicPr>
+        <p:blipFill>
+          <a:blip r:embed="rId3"/>
+          <a:stretch>
+            <a:fillRect/>
+          </a:stretch>
+        </p:blipFill>
+        <p:spPr>
+          <a:xfrm>
+            <a:off x="7362324" y="3429000"/>
+            <a:ext cx="4139866" cy="2657217"/>
+          </a:xfrm>
+          <a:prstGeom prst="rect">
+            <a:avLst/>
+          </a:prstGeom>
+        </p:spPr>
+      </p:pic>
+      <p:pic>
+        <p:nvPicPr>
+          <p:cNvPr id="11" name="Picture 10">
+            <a:extLst>
+              <a:ext uri="{FF2B5EF4-FFF2-40B4-BE49-F238E27FC236}">
+                <a16:creationId xmlns:a16="http://schemas.microsoft.com/office/drawing/2014/main" id="{3E1C9FA8-D4D8-4B1F-8B37-F7B52CDEE210}"/>
+              </a:ext>
+            </a:extLst>
+          </p:cNvPr>
+          <p:cNvPicPr>
+            <a:picLocks noChangeAspect="1"/>
+          </p:cNvPicPr>
+          <p:nvPr/>
+        </p:nvPicPr>
+        <p:blipFill>
+          <a:blip r:embed="rId4"/>
+          <a:stretch>
+            <a:fillRect/>
+          </a:stretch>
+        </p:blipFill>
+        <p:spPr>
+          <a:xfrm>
+            <a:off x="3834315" y="1522246"/>
+            <a:ext cx="2702844" cy="1828905"/>
+          </a:xfrm>
+          <a:prstGeom prst="rect">
+            <a:avLst/>
+          </a:prstGeom>
+        </p:spPr>
+      </p:pic>
+      <p:sp>
+        <p:nvSpPr>
+          <p:cNvPr id="12" name="TextBox 11">
+            <a:extLst>
+              <a:ext uri="{FF2B5EF4-FFF2-40B4-BE49-F238E27FC236}">
+                <a16:creationId xmlns:a16="http://schemas.microsoft.com/office/drawing/2014/main" id="{59027F58-D8B0-4279-B379-D3B1A54F7A96}"/>
+              </a:ext>
+            </a:extLst>
+          </p:cNvPr>
+          <p:cNvSpPr txBox="1"/>
+          <p:nvPr/>
+        </p:nvSpPr>
+        <p:spPr>
+          <a:xfrm>
+            <a:off x="660106" y="2967335"/>
+            <a:ext cx="1908664" cy="461665"/>
+          </a:xfrm>
+          <a:prstGeom prst="rect">
+            <a:avLst/>
+          </a:prstGeom>
+          <a:noFill/>
+        </p:spPr>
+        <p:txBody>
+          <a:bodyPr wrap="none" rtlCol="0">
+            <a:spAutoFit/>
+          </a:bodyPr>
+          <a:lstStyle/>
+          <a:p>
+            <a:r>
+              <a:rPr lang="en-US" sz="2400" b="1" u="sng" dirty="0" err="1">
+                <a:solidFill>
+                  <a:schemeClr val="accent3"/>
+                </a:solidFill>
+              </a:rPr>
+              <a:t>Counter.razor</a:t>
+            </a:r>
+            <a:endParaRPr lang="en-US" sz="2400" b="1" u="sng" dirty="0">
+              <a:solidFill>
+                <a:schemeClr val="accent3"/>
+              </a:solidFill>
+            </a:endParaRPr>
+          </a:p>
+        </p:txBody>
+      </p:sp>
+      <p:sp>
+        <p:nvSpPr>
+          <p:cNvPr id="13" name="TextBox 12">
+            <a:extLst>
+              <a:ext uri="{FF2B5EF4-FFF2-40B4-BE49-F238E27FC236}">
+                <a16:creationId xmlns:a16="http://schemas.microsoft.com/office/drawing/2014/main" id="{4F7DC616-A53B-4391-BDFA-18C3314578F3}"/>
+              </a:ext>
+            </a:extLst>
+          </p:cNvPr>
+          <p:cNvSpPr txBox="1"/>
+          <p:nvPr/>
+        </p:nvSpPr>
+        <p:spPr>
+          <a:xfrm>
+            <a:off x="7362324" y="2889486"/>
+            <a:ext cx="2215030" cy="461665"/>
+          </a:xfrm>
+          <a:prstGeom prst="rect">
+            <a:avLst/>
+          </a:prstGeom>
+          <a:noFill/>
+        </p:spPr>
+        <p:txBody>
+          <a:bodyPr wrap="none" rtlCol="0">
+            <a:spAutoFit/>
+          </a:bodyPr>
+          <a:lstStyle/>
+          <a:p>
+            <a:r>
+              <a:rPr lang="en-US" sz="2400" b="1" u="sng" dirty="0" err="1">
+                <a:solidFill>
+                  <a:schemeClr val="accent3"/>
+                </a:solidFill>
+              </a:rPr>
+              <a:t>Counter.razor.cs</a:t>
+            </a:r>
+            <a:endParaRPr lang="en-US" sz="2400" b="1" u="sng" dirty="0">
+              <a:solidFill>
+                <a:schemeClr val="accent3"/>
+              </a:solidFill>
+            </a:endParaRPr>
+          </a:p>
+        </p:txBody>
+      </p:sp>
+    </p:spTree>
+    <p:extLst>
+      <p:ext uri="{BB962C8B-B14F-4D97-AF65-F5344CB8AC3E}">
+        <p14:creationId xmlns:p14="http://schemas.microsoft.com/office/powerpoint/2010/main" val="724593869"/>
+      </p:ext>
+    </p:extLst>
+  </p:cSld>
+  <p:clrMapOvr>
+    <a:masterClrMapping/>
+  </p:clrMapOvr>
+</p:sld>
+</file>
+
+<file path=ppt/slides/slide9.xml><?xml version="1.0" encoding="utf-8"?>
+<p:sld xmlns:a="http://schemas.openxmlformats.org/drawingml/2006/main" xmlns:r="http://schemas.openxmlformats.org/officeDocument/2006/relationships" xmlns:p="http://schemas.openxmlformats.org/presentationml/2006/main">
+  <p:cSld>
+    <p:spTree>
+      <p:nvGrpSpPr>
+        <p:cNvPr id="1" name=""/>
+        <p:cNvGrpSpPr/>
+        <p:nvPr/>
+      </p:nvGrpSpPr>
+      <p:grpSpPr>
+        <a:xfrm>
+          <a:off x="0" y="0"/>
+          <a:ext cx="0" cy="0"/>
+          <a:chOff x="0" y="0"/>
+          <a:chExt cx="0" cy="0"/>
+        </a:xfrm>
+      </p:grpSpPr>
+      <p:sp>
+        <p:nvSpPr>
+          <p:cNvPr id="2" name="Title 1">
+            <a:extLst>
+              <a:ext uri="{FF2B5EF4-FFF2-40B4-BE49-F238E27FC236}">
+                <a16:creationId xmlns:a16="http://schemas.microsoft.com/office/drawing/2014/main" id="{C35DCC82-31AF-42E9-9A98-DA5C6345D8ED}"/>
+              </a:ext>
+            </a:extLst>
+          </p:cNvPr>
+          <p:cNvSpPr>
+            <a:spLocks noGrp="1"/>
+          </p:cNvSpPr>
+          <p:nvPr>
+            <p:ph type="title"/>
+          </p:nvPr>
+        </p:nvSpPr>
+        <p:spPr/>
+        <p:txBody>
+          <a:bodyPr/>
+          <a:lstStyle/>
+          <a:p>
+            <a:endParaRPr lang="en-US" dirty="0"/>
+          </a:p>
+        </p:txBody>
+      </p:sp>
+      <p:sp>
+        <p:nvSpPr>
+          <p:cNvPr id="3" name="Content Placeholder 2">
+            <a:extLst>
+              <a:ext uri="{FF2B5EF4-FFF2-40B4-BE49-F238E27FC236}">
+                <a16:creationId xmlns:a16="http://schemas.microsoft.com/office/drawing/2014/main" id="{1494C10A-6E3F-4F5C-A023-C2C599FB2180}"/>
+              </a:ext>
+            </a:extLst>
+          </p:cNvPr>
+          <p:cNvSpPr>
+            <a:spLocks noGrp="1"/>
+          </p:cNvSpPr>
+          <p:nvPr>
+            <p:ph idx="1"/>
+          </p:nvPr>
+        </p:nvSpPr>
+        <p:spPr/>
+        <p:txBody>
+          <a:bodyPr>
+            <a:normAutofit/>
+          </a:bodyPr>
+          <a:lstStyle/>
+          <a:p>
+            <a:pPr marL="0" indent="0" algn="ctr">
+              <a:buNone/>
+            </a:pPr>
+            <a:endParaRPr lang="en-US" sz="6000" dirty="0"/>
+          </a:p>
+          <a:p>
+            <a:pPr marL="0" indent="0" algn="ctr">
+              <a:buNone/>
+            </a:pPr>
+            <a:r>
+              <a:rPr lang="en-US" sz="9600" dirty="0"/>
+              <a:t>LIVE CODING!</a:t>
+            </a:r>
+          </a:p>
+        </p:txBody>
+      </p:sp>
+    </p:spTree>
+    <p:extLst>
+      <p:ext uri="{BB962C8B-B14F-4D97-AF65-F5344CB8AC3E}">
+        <p14:creationId xmlns:p14="http://schemas.microsoft.com/office/powerpoint/2010/main" val="2663565296"/>
       </p:ext>
     </p:extLst>
   </p:cSld>

--- a/2021-02-21 DotnetKonf/Presentation.pptx
+++ b/2021-02-21 DotnetKonf/Presentation.pptx
@@ -14,6 +14,8 @@
     <p:sldId id="320" r:id="rId8"/>
     <p:sldId id="321" r:id="rId9"/>
     <p:sldId id="319" r:id="rId10"/>
+    <p:sldId id="322" r:id="rId11"/>
+    <p:sldId id="323" r:id="rId12"/>
   </p:sldIdLst>
   <p:sldSz cx="12192000" cy="6858000"/>
   <p:notesSz cx="6858000" cy="9144000"/>
@@ -3459,6 +3461,346 @@
   <p:clrMapOvr>
     <a:masterClrMapping/>
   </p:clrMapOvr>
+</p:sld>
+</file>
+
+<file path=ppt/slides/slide10.xml><?xml version="1.0" encoding="utf-8"?>
+<p:sld xmlns:a="http://schemas.openxmlformats.org/drawingml/2006/main" xmlns:r="http://schemas.openxmlformats.org/officeDocument/2006/relationships" xmlns:p="http://schemas.openxmlformats.org/presentationml/2006/main">
+  <p:cSld>
+    <p:spTree>
+      <p:nvGrpSpPr>
+        <p:cNvPr id="1" name=""/>
+        <p:cNvGrpSpPr/>
+        <p:nvPr/>
+      </p:nvGrpSpPr>
+      <p:grpSpPr>
+        <a:xfrm>
+          <a:off x="0" y="0"/>
+          <a:ext cx="0" cy="0"/>
+          <a:chOff x="0" y="0"/>
+          <a:chExt cx="0" cy="0"/>
+        </a:xfrm>
+      </p:grpSpPr>
+      <p:sp>
+        <p:nvSpPr>
+          <p:cNvPr id="2" name="Title 1">
+            <a:extLst>
+              <a:ext uri="{FF2B5EF4-FFF2-40B4-BE49-F238E27FC236}">
+                <a16:creationId xmlns:a16="http://schemas.microsoft.com/office/drawing/2014/main" id="{7EB95001-8889-4017-B9F8-3489DCB9B4D9}"/>
+              </a:ext>
+            </a:extLst>
+          </p:cNvPr>
+          <p:cNvSpPr>
+            <a:spLocks noGrp="1"/>
+          </p:cNvSpPr>
+          <p:nvPr>
+            <p:ph type="title"/>
+          </p:nvPr>
+        </p:nvSpPr>
+        <p:spPr/>
+        <p:txBody>
+          <a:bodyPr/>
+          <a:lstStyle/>
+          <a:p>
+            <a:r>
+              <a:rPr lang="en-US" dirty="0"/>
+              <a:t>Route Parameters</a:t>
+            </a:r>
+          </a:p>
+        </p:txBody>
+      </p:sp>
+      <p:pic>
+        <p:nvPicPr>
+          <p:cNvPr id="5" name="Content Placeholder 4">
+            <a:extLst>
+              <a:ext uri="{FF2B5EF4-FFF2-40B4-BE49-F238E27FC236}">
+                <a16:creationId xmlns:a16="http://schemas.microsoft.com/office/drawing/2014/main" id="{945275E6-00F6-4FD2-9E76-3369BF3472B9}"/>
+              </a:ext>
+            </a:extLst>
+          </p:cNvPr>
+          <p:cNvPicPr>
+            <a:picLocks noGrp="1" noChangeAspect="1"/>
+          </p:cNvPicPr>
+          <p:nvPr>
+            <p:ph idx="1"/>
+          </p:nvPr>
+        </p:nvPicPr>
+        <p:blipFill>
+          <a:blip r:embed="rId2"/>
+          <a:stretch>
+            <a:fillRect/>
+          </a:stretch>
+        </p:blipFill>
+        <p:spPr>
+          <a:xfrm>
+            <a:off x="2481262" y="1834356"/>
+            <a:ext cx="7229475" cy="4333875"/>
+          </a:xfrm>
+        </p:spPr>
+      </p:pic>
+    </p:spTree>
+    <p:extLst>
+      <p:ext uri="{BB962C8B-B14F-4D97-AF65-F5344CB8AC3E}">
+        <p14:creationId xmlns:p14="http://schemas.microsoft.com/office/powerpoint/2010/main" val="649506597"/>
+      </p:ext>
+    </p:extLst>
+  </p:cSld>
+  <p:clrMapOvr>
+    <a:masterClrMapping/>
+  </p:clrMapOvr>
+</p:sld>
+</file>
+
+<file path=ppt/slides/slide11.xml><?xml version="1.0" encoding="utf-8"?>
+<p:sld xmlns:a="http://schemas.openxmlformats.org/drawingml/2006/main" xmlns:r="http://schemas.openxmlformats.org/officeDocument/2006/relationships" xmlns:p="http://schemas.openxmlformats.org/presentationml/2006/main">
+  <p:cSld>
+    <p:spTree>
+      <p:nvGrpSpPr>
+        <p:cNvPr id="1" name=""/>
+        <p:cNvGrpSpPr/>
+        <p:nvPr/>
+      </p:nvGrpSpPr>
+      <p:grpSpPr>
+        <a:xfrm>
+          <a:off x="0" y="0"/>
+          <a:ext cx="0" cy="0"/>
+          <a:chOff x="0" y="0"/>
+          <a:chExt cx="0" cy="0"/>
+        </a:xfrm>
+      </p:grpSpPr>
+      <p:sp>
+        <p:nvSpPr>
+          <p:cNvPr id="2" name="Title 1">
+            <a:extLst>
+              <a:ext uri="{FF2B5EF4-FFF2-40B4-BE49-F238E27FC236}">
+                <a16:creationId xmlns:a16="http://schemas.microsoft.com/office/drawing/2014/main" id="{D696FC7B-56EB-4CA0-8E7A-9F14D9A91209}"/>
+              </a:ext>
+            </a:extLst>
+          </p:cNvPr>
+          <p:cNvSpPr>
+            <a:spLocks noGrp="1"/>
+          </p:cNvSpPr>
+          <p:nvPr>
+            <p:ph type="title"/>
+          </p:nvPr>
+        </p:nvSpPr>
+        <p:spPr/>
+        <p:txBody>
+          <a:bodyPr/>
+          <a:lstStyle/>
+          <a:p>
+            <a:r>
+              <a:rPr lang="en-US" dirty="0"/>
+              <a:t>Child Component</a:t>
+            </a:r>
+          </a:p>
+        </p:txBody>
+      </p:sp>
+      <p:pic>
+        <p:nvPicPr>
+          <p:cNvPr id="7" name="Content Placeholder 6">
+            <a:extLst>
+              <a:ext uri="{FF2B5EF4-FFF2-40B4-BE49-F238E27FC236}">
+                <a16:creationId xmlns:a16="http://schemas.microsoft.com/office/drawing/2014/main" id="{A6969158-6B69-4F63-BF14-1911957A3D5C}"/>
+              </a:ext>
+            </a:extLst>
+          </p:cNvPr>
+          <p:cNvPicPr>
+            <a:picLocks noGrp="1" noChangeAspect="1"/>
+          </p:cNvPicPr>
+          <p:nvPr>
+            <p:ph idx="1"/>
+          </p:nvPr>
+        </p:nvPicPr>
+        <p:blipFill>
+          <a:blip r:embed="rId2"/>
+          <a:stretch>
+            <a:fillRect/>
+          </a:stretch>
+        </p:blipFill>
+        <p:spPr>
+          <a:xfrm>
+            <a:off x="737937" y="2234316"/>
+            <a:ext cx="4403558" cy="1998822"/>
+          </a:xfrm>
+        </p:spPr>
+      </p:pic>
+      <p:pic>
+        <p:nvPicPr>
+          <p:cNvPr id="9" name="Picture 8">
+            <a:extLst>
+              <a:ext uri="{FF2B5EF4-FFF2-40B4-BE49-F238E27FC236}">
+                <a16:creationId xmlns:a16="http://schemas.microsoft.com/office/drawing/2014/main" id="{DB44B6B7-46FF-4AAA-8220-4C90AD29C8E6}"/>
+              </a:ext>
+            </a:extLst>
+          </p:cNvPr>
+          <p:cNvPicPr>
+            <a:picLocks noChangeAspect="1"/>
+          </p:cNvPicPr>
+          <p:nvPr/>
+        </p:nvPicPr>
+        <p:blipFill>
+          <a:blip r:embed="rId3"/>
+          <a:stretch>
+            <a:fillRect/>
+          </a:stretch>
+        </p:blipFill>
+        <p:spPr>
+          <a:xfrm>
+            <a:off x="5550568" y="2234316"/>
+            <a:ext cx="6337884" cy="4258559"/>
+          </a:xfrm>
+          <a:prstGeom prst="rect">
+            <a:avLst/>
+          </a:prstGeom>
+        </p:spPr>
+      </p:pic>
+    </p:spTree>
+    <p:extLst>
+      <p:ext uri="{BB962C8B-B14F-4D97-AF65-F5344CB8AC3E}">
+        <p14:creationId xmlns:p14="http://schemas.microsoft.com/office/powerpoint/2010/main" val="2988541190"/>
+      </p:ext>
+    </p:extLst>
+  </p:cSld>
+  <p:clrMapOvr>
+    <a:masterClrMapping/>
+  </p:clrMapOvr>
+  <p:timing>
+    <p:tnLst>
+      <p:par>
+        <p:cTn id="1" dur="indefinite" restart="never" nodeType="tmRoot">
+          <p:childTnLst>
+            <p:seq concurrent="1" nextAc="seek">
+              <p:cTn id="2" dur="indefinite" nodeType="mainSeq">
+                <p:childTnLst>
+                  <p:par>
+                    <p:cTn id="3" fill="hold">
+                      <p:stCondLst>
+                        <p:cond delay="indefinite"/>
+                      </p:stCondLst>
+                      <p:childTnLst>
+                        <p:par>
+                          <p:cTn id="4" fill="hold">
+                            <p:stCondLst>
+                              <p:cond delay="0"/>
+                            </p:stCondLst>
+                            <p:childTnLst>
+                              <p:par>
+                                <p:cTn id="5" presetID="10" presetClass="entr" presetSubtype="0" fill="hold" nodeType="clickEffect">
+                                  <p:stCondLst>
+                                    <p:cond delay="0"/>
+                                  </p:stCondLst>
+                                  <p:childTnLst>
+                                    <p:set>
+                                      <p:cBhvr>
+                                        <p:cTn id="6" dur="1" fill="hold">
+                                          <p:stCondLst>
+                                            <p:cond delay="0"/>
+                                          </p:stCondLst>
+                                        </p:cTn>
+                                        <p:tgtEl>
+                                          <p:spTgt spid="7"/>
+                                        </p:tgtEl>
+                                        <p:attrNameLst>
+                                          <p:attrName>style.visibility</p:attrName>
+                                        </p:attrNameLst>
+                                      </p:cBhvr>
+                                      <p:to>
+                                        <p:strVal val="visible"/>
+                                      </p:to>
+                                    </p:set>
+                                    <p:animEffect transition="in" filter="fade">
+                                      <p:cBhvr>
+                                        <p:cTn id="7" dur="500"/>
+                                        <p:tgtEl>
+                                          <p:spTgt spid="7"/>
+                                        </p:tgtEl>
+                                      </p:cBhvr>
+                                    </p:animEffect>
+                                  </p:childTnLst>
+                                </p:cTn>
+                              </p:par>
+                            </p:childTnLst>
+                          </p:cTn>
+                        </p:par>
+                      </p:childTnLst>
+                    </p:cTn>
+                  </p:par>
+                  <p:par>
+                    <p:cTn id="8" fill="hold">
+                      <p:stCondLst>
+                        <p:cond delay="indefinite"/>
+                      </p:stCondLst>
+                      <p:childTnLst>
+                        <p:par>
+                          <p:cTn id="9" fill="hold">
+                            <p:stCondLst>
+                              <p:cond delay="0"/>
+                            </p:stCondLst>
+                            <p:childTnLst>
+                              <p:par>
+                                <p:cTn id="10" presetID="10" presetClass="entr" presetSubtype="0" fill="hold" nodeType="clickEffect">
+                                  <p:stCondLst>
+                                    <p:cond delay="0"/>
+                                  </p:stCondLst>
+                                  <p:childTnLst>
+                                    <p:set>
+                                      <p:cBhvr>
+                                        <p:cTn id="11" dur="1" fill="hold">
+                                          <p:stCondLst>
+                                            <p:cond delay="0"/>
+                                          </p:stCondLst>
+                                        </p:cTn>
+                                        <p:tgtEl>
+                                          <p:spTgt spid="9"/>
+                                        </p:tgtEl>
+                                        <p:attrNameLst>
+                                          <p:attrName>style.visibility</p:attrName>
+                                        </p:attrNameLst>
+                                      </p:cBhvr>
+                                      <p:to>
+                                        <p:strVal val="visible"/>
+                                      </p:to>
+                                    </p:set>
+                                    <p:animEffect transition="in" filter="fade">
+                                      <p:cBhvr>
+                                        <p:cTn id="12" dur="500"/>
+                                        <p:tgtEl>
+                                          <p:spTgt spid="9"/>
+                                        </p:tgtEl>
+                                      </p:cBhvr>
+                                    </p:animEffect>
+                                  </p:childTnLst>
+                                </p:cTn>
+                              </p:par>
+                            </p:childTnLst>
+                          </p:cTn>
+                        </p:par>
+                      </p:childTnLst>
+                    </p:cTn>
+                  </p:par>
+                </p:childTnLst>
+              </p:cTn>
+              <p:prevCondLst>
+                <p:cond evt="onPrev" delay="0">
+                  <p:tgtEl>
+                    <p:sldTgt/>
+                  </p:tgtEl>
+                </p:cond>
+              </p:prevCondLst>
+              <p:nextCondLst>
+                <p:cond evt="onNext" delay="0">
+                  <p:tgtEl>
+                    <p:sldTgt/>
+                  </p:tgtEl>
+                </p:cond>
+              </p:nextCondLst>
+            </p:seq>
+          </p:childTnLst>
+        </p:cTn>
+      </p:par>
+    </p:tnLst>
+  </p:timing>
 </p:sld>
 </file>
 

--- a/2021-02-21 DotnetKonf/Presentation.pptx
+++ b/2021-02-21 DotnetKonf/Presentation.pptx
@@ -16,6 +16,11 @@
     <p:sldId id="319" r:id="rId10"/>
     <p:sldId id="322" r:id="rId11"/>
     <p:sldId id="323" r:id="rId12"/>
+    <p:sldId id="324" r:id="rId13"/>
+    <p:sldId id="325" r:id="rId14"/>
+    <p:sldId id="326" r:id="rId15"/>
+    <p:sldId id="327" r:id="rId16"/>
+    <p:sldId id="328" r:id="rId17"/>
   </p:sldIdLst>
   <p:sldSz cx="12192000" cy="6858000"/>
   <p:notesSz cx="6858000" cy="9144000"/>
@@ -3801,6 +3806,1715 @@
       </p:par>
     </p:tnLst>
   </p:timing>
+</p:sld>
+</file>
+
+<file path=ppt/slides/slide12.xml><?xml version="1.0" encoding="utf-8"?>
+<p:sld xmlns:a="http://schemas.openxmlformats.org/drawingml/2006/main" xmlns:r="http://schemas.openxmlformats.org/officeDocument/2006/relationships" xmlns:p="http://schemas.openxmlformats.org/presentationml/2006/main">
+  <p:cSld>
+    <p:spTree>
+      <p:nvGrpSpPr>
+        <p:cNvPr id="1" name=""/>
+        <p:cNvGrpSpPr/>
+        <p:nvPr/>
+      </p:nvGrpSpPr>
+      <p:grpSpPr>
+        <a:xfrm>
+          <a:off x="0" y="0"/>
+          <a:ext cx="0" cy="0"/>
+          <a:chOff x="0" y="0"/>
+          <a:chExt cx="0" cy="0"/>
+        </a:xfrm>
+      </p:grpSpPr>
+      <p:sp>
+        <p:nvSpPr>
+          <p:cNvPr id="2" name="Title 1">
+            <a:extLst>
+              <a:ext uri="{FF2B5EF4-FFF2-40B4-BE49-F238E27FC236}">
+                <a16:creationId xmlns:a16="http://schemas.microsoft.com/office/drawing/2014/main" id="{D845499A-2D94-4B60-B825-7CB2856783E4}"/>
+              </a:ext>
+            </a:extLst>
+          </p:cNvPr>
+          <p:cNvSpPr>
+            <a:spLocks noGrp="1"/>
+          </p:cNvSpPr>
+          <p:nvPr>
+            <p:ph type="title"/>
+          </p:nvPr>
+        </p:nvSpPr>
+        <p:spPr/>
+        <p:txBody>
+          <a:bodyPr/>
+          <a:lstStyle/>
+          <a:p>
+            <a:r>
+              <a:rPr lang="en-US" dirty="0"/>
+              <a:t>Apply Attributes</a:t>
+            </a:r>
+          </a:p>
+        </p:txBody>
+      </p:sp>
+      <p:pic>
+        <p:nvPicPr>
+          <p:cNvPr id="5" name="Content Placeholder 4">
+            <a:extLst>
+              <a:ext uri="{FF2B5EF4-FFF2-40B4-BE49-F238E27FC236}">
+                <a16:creationId xmlns:a16="http://schemas.microsoft.com/office/drawing/2014/main" id="{4E2E090C-5A3C-4181-A56C-E86EF58BC3A5}"/>
+              </a:ext>
+            </a:extLst>
+          </p:cNvPr>
+          <p:cNvPicPr>
+            <a:picLocks noGrp="1" noChangeAspect="1"/>
+          </p:cNvPicPr>
+          <p:nvPr>
+            <p:ph idx="1"/>
+          </p:nvPr>
+        </p:nvPicPr>
+        <p:blipFill>
+          <a:blip r:embed="rId2"/>
+          <a:stretch>
+            <a:fillRect/>
+          </a:stretch>
+        </p:blipFill>
+        <p:spPr>
+          <a:xfrm>
+            <a:off x="3577389" y="2729037"/>
+            <a:ext cx="5756701" cy="1399925"/>
+          </a:xfrm>
+        </p:spPr>
+      </p:pic>
+    </p:spTree>
+    <p:extLst>
+      <p:ext uri="{BB962C8B-B14F-4D97-AF65-F5344CB8AC3E}">
+        <p14:creationId xmlns:p14="http://schemas.microsoft.com/office/powerpoint/2010/main" val="3627725655"/>
+      </p:ext>
+    </p:extLst>
+  </p:cSld>
+  <p:clrMapOvr>
+    <a:masterClrMapping/>
+  </p:clrMapOvr>
+</p:sld>
+</file>
+
+<file path=ppt/slides/slide13.xml><?xml version="1.0" encoding="utf-8"?>
+<p:sld xmlns:a="http://schemas.openxmlformats.org/drawingml/2006/main" xmlns:r="http://schemas.openxmlformats.org/officeDocument/2006/relationships" xmlns:p="http://schemas.openxmlformats.org/presentationml/2006/main">
+  <p:cSld>
+    <p:spTree>
+      <p:nvGrpSpPr>
+        <p:cNvPr id="1" name=""/>
+        <p:cNvGrpSpPr/>
+        <p:nvPr/>
+      </p:nvGrpSpPr>
+      <p:grpSpPr>
+        <a:xfrm>
+          <a:off x="0" y="0"/>
+          <a:ext cx="0" cy="0"/>
+          <a:chOff x="0" y="0"/>
+          <a:chExt cx="0" cy="0"/>
+        </a:xfrm>
+      </p:grpSpPr>
+      <p:sp>
+        <p:nvSpPr>
+          <p:cNvPr id="2" name="Title 1">
+            <a:extLst>
+              <a:ext uri="{FF2B5EF4-FFF2-40B4-BE49-F238E27FC236}">
+                <a16:creationId xmlns:a16="http://schemas.microsoft.com/office/drawing/2014/main" id="{F035621D-9F90-4D84-8AFD-D6F343878DD4}"/>
+              </a:ext>
+            </a:extLst>
+          </p:cNvPr>
+          <p:cNvSpPr>
+            <a:spLocks noGrp="1"/>
+          </p:cNvSpPr>
+          <p:nvPr>
+            <p:ph type="title"/>
+          </p:nvPr>
+        </p:nvSpPr>
+        <p:spPr/>
+        <p:txBody>
+          <a:bodyPr/>
+          <a:lstStyle/>
+          <a:p>
+            <a:r>
+              <a:rPr lang="en-US" dirty="0"/>
+              <a:t>Conditional HTML element attributes</a:t>
+            </a:r>
+          </a:p>
+        </p:txBody>
+      </p:sp>
+      <p:pic>
+        <p:nvPicPr>
+          <p:cNvPr id="5" name="Picture 4">
+            <a:extLst>
+              <a:ext uri="{FF2B5EF4-FFF2-40B4-BE49-F238E27FC236}">
+                <a16:creationId xmlns:a16="http://schemas.microsoft.com/office/drawing/2014/main" id="{CDA06EAE-FD74-4735-8164-85D483B803AA}"/>
+              </a:ext>
+            </a:extLst>
+          </p:cNvPr>
+          <p:cNvPicPr>
+            <a:picLocks noChangeAspect="1"/>
+          </p:cNvPicPr>
+          <p:nvPr/>
+        </p:nvPicPr>
+        <p:blipFill>
+          <a:blip r:embed="rId2"/>
+          <a:stretch>
+            <a:fillRect/>
+          </a:stretch>
+        </p:blipFill>
+        <p:spPr>
+          <a:xfrm>
+            <a:off x="3034213" y="1690688"/>
+            <a:ext cx="5291639" cy="1758847"/>
+          </a:xfrm>
+          <a:prstGeom prst="rect">
+            <a:avLst/>
+          </a:prstGeom>
+        </p:spPr>
+      </p:pic>
+      <p:pic>
+        <p:nvPicPr>
+          <p:cNvPr id="7" name="Picture 6">
+            <a:extLst>
+              <a:ext uri="{FF2B5EF4-FFF2-40B4-BE49-F238E27FC236}">
+                <a16:creationId xmlns:a16="http://schemas.microsoft.com/office/drawing/2014/main" id="{E955185D-7361-464C-B283-5AE9FDB532D0}"/>
+              </a:ext>
+            </a:extLst>
+          </p:cNvPr>
+          <p:cNvPicPr>
+            <a:picLocks noChangeAspect="1"/>
+          </p:cNvPicPr>
+          <p:nvPr/>
+        </p:nvPicPr>
+        <p:blipFill>
+          <a:blip r:embed="rId3"/>
+          <a:stretch>
+            <a:fillRect/>
+          </a:stretch>
+        </p:blipFill>
+        <p:spPr>
+          <a:xfrm>
+            <a:off x="597067" y="4878809"/>
+            <a:ext cx="4629150" cy="685800"/>
+          </a:xfrm>
+          <a:prstGeom prst="rect">
+            <a:avLst/>
+          </a:prstGeom>
+        </p:spPr>
+      </p:pic>
+      <p:pic>
+        <p:nvPicPr>
+          <p:cNvPr id="9" name="Picture 8">
+            <a:extLst>
+              <a:ext uri="{FF2B5EF4-FFF2-40B4-BE49-F238E27FC236}">
+                <a16:creationId xmlns:a16="http://schemas.microsoft.com/office/drawing/2014/main" id="{61BE980D-9EBE-48AA-82DB-8D0CEEE511CE}"/>
+              </a:ext>
+            </a:extLst>
+          </p:cNvPr>
+          <p:cNvPicPr>
+            <a:picLocks noChangeAspect="1"/>
+          </p:cNvPicPr>
+          <p:nvPr/>
+        </p:nvPicPr>
+        <p:blipFill>
+          <a:blip r:embed="rId4"/>
+          <a:stretch>
+            <a:fillRect/>
+          </a:stretch>
+        </p:blipFill>
+        <p:spPr>
+          <a:xfrm>
+            <a:off x="6890335" y="4921671"/>
+            <a:ext cx="4162425" cy="600075"/>
+          </a:xfrm>
+          <a:prstGeom prst="rect">
+            <a:avLst/>
+          </a:prstGeom>
+        </p:spPr>
+      </p:pic>
+      <p:sp>
+        <p:nvSpPr>
+          <p:cNvPr id="10" name="TextBox 9">
+            <a:extLst>
+              <a:ext uri="{FF2B5EF4-FFF2-40B4-BE49-F238E27FC236}">
+                <a16:creationId xmlns:a16="http://schemas.microsoft.com/office/drawing/2014/main" id="{EC3264BD-56D5-431E-94AB-50C3B697012E}"/>
+              </a:ext>
+            </a:extLst>
+          </p:cNvPr>
+          <p:cNvSpPr txBox="1"/>
+          <p:nvPr/>
+        </p:nvSpPr>
+        <p:spPr>
+          <a:xfrm>
+            <a:off x="1552074" y="4267200"/>
+            <a:ext cx="2186304" cy="369332"/>
+          </a:xfrm>
+          <a:prstGeom prst="rect">
+            <a:avLst/>
+          </a:prstGeom>
+          <a:noFill/>
+        </p:spPr>
+        <p:txBody>
+          <a:bodyPr wrap="none" rtlCol="0">
+            <a:spAutoFit/>
+          </a:bodyPr>
+          <a:lstStyle/>
+          <a:p>
+            <a:r>
+              <a:rPr lang="en-US" dirty="0"/>
+              <a:t>if </a:t>
+            </a:r>
+            <a:r>
+              <a:rPr lang="en-US" dirty="0" err="1"/>
+              <a:t>IsCompleted</a:t>
+            </a:r>
+            <a:r>
+              <a:rPr lang="en-US" dirty="0"/>
+              <a:t> is </a:t>
+            </a:r>
+            <a:r>
+              <a:rPr lang="en-US" b="1" dirty="0"/>
+              <a:t>true</a:t>
+            </a:r>
+          </a:p>
+        </p:txBody>
+      </p:sp>
+      <p:sp>
+        <p:nvSpPr>
+          <p:cNvPr id="11" name="TextBox 10">
+            <a:extLst>
+              <a:ext uri="{FF2B5EF4-FFF2-40B4-BE49-F238E27FC236}">
+                <a16:creationId xmlns:a16="http://schemas.microsoft.com/office/drawing/2014/main" id="{1AE24CEA-F4F4-415A-AB8E-D6642A4519DC}"/>
+              </a:ext>
+            </a:extLst>
+          </p:cNvPr>
+          <p:cNvSpPr txBox="1"/>
+          <p:nvPr/>
+        </p:nvSpPr>
+        <p:spPr>
+          <a:xfrm>
+            <a:off x="7519737" y="4267200"/>
+            <a:ext cx="2233881" cy="369332"/>
+          </a:xfrm>
+          <a:prstGeom prst="rect">
+            <a:avLst/>
+          </a:prstGeom>
+          <a:noFill/>
+        </p:spPr>
+        <p:txBody>
+          <a:bodyPr wrap="none" rtlCol="0">
+            <a:spAutoFit/>
+          </a:bodyPr>
+          <a:lstStyle/>
+          <a:p>
+            <a:r>
+              <a:rPr lang="en-US" dirty="0"/>
+              <a:t>if </a:t>
+            </a:r>
+            <a:r>
+              <a:rPr lang="en-US" dirty="0" err="1"/>
+              <a:t>IsCompleted</a:t>
+            </a:r>
+            <a:r>
+              <a:rPr lang="en-US" dirty="0"/>
+              <a:t> is </a:t>
+            </a:r>
+            <a:r>
+              <a:rPr lang="en-US" b="1" dirty="0"/>
+              <a:t>false</a:t>
+            </a:r>
+          </a:p>
+        </p:txBody>
+      </p:sp>
+    </p:spTree>
+    <p:extLst>
+      <p:ext uri="{BB962C8B-B14F-4D97-AF65-F5344CB8AC3E}">
+        <p14:creationId xmlns:p14="http://schemas.microsoft.com/office/powerpoint/2010/main" val="479298129"/>
+      </p:ext>
+    </p:extLst>
+  </p:cSld>
+  <p:clrMapOvr>
+    <a:masterClrMapping/>
+  </p:clrMapOvr>
+  <p:timing>
+    <p:tnLst>
+      <p:par>
+        <p:cTn id="1" dur="indefinite" restart="never" nodeType="tmRoot">
+          <p:childTnLst>
+            <p:seq concurrent="1" nextAc="seek">
+              <p:cTn id="2" dur="indefinite" nodeType="mainSeq">
+                <p:childTnLst>
+                  <p:par>
+                    <p:cTn id="3" fill="hold">
+                      <p:stCondLst>
+                        <p:cond delay="indefinite"/>
+                      </p:stCondLst>
+                      <p:childTnLst>
+                        <p:par>
+                          <p:cTn id="4" fill="hold">
+                            <p:stCondLst>
+                              <p:cond delay="0"/>
+                            </p:stCondLst>
+                            <p:childTnLst>
+                              <p:par>
+                                <p:cTn id="5" presetID="10" presetClass="entr" presetSubtype="0" fill="hold" nodeType="clickEffect">
+                                  <p:stCondLst>
+                                    <p:cond delay="0"/>
+                                  </p:stCondLst>
+                                  <p:childTnLst>
+                                    <p:set>
+                                      <p:cBhvr>
+                                        <p:cTn id="6" dur="1" fill="hold">
+                                          <p:stCondLst>
+                                            <p:cond delay="0"/>
+                                          </p:stCondLst>
+                                        </p:cTn>
+                                        <p:tgtEl>
+                                          <p:spTgt spid="5"/>
+                                        </p:tgtEl>
+                                        <p:attrNameLst>
+                                          <p:attrName>style.visibility</p:attrName>
+                                        </p:attrNameLst>
+                                      </p:cBhvr>
+                                      <p:to>
+                                        <p:strVal val="visible"/>
+                                      </p:to>
+                                    </p:set>
+                                    <p:animEffect transition="in" filter="fade">
+                                      <p:cBhvr>
+                                        <p:cTn id="7" dur="500"/>
+                                        <p:tgtEl>
+                                          <p:spTgt spid="5"/>
+                                        </p:tgtEl>
+                                      </p:cBhvr>
+                                    </p:animEffect>
+                                  </p:childTnLst>
+                                </p:cTn>
+                              </p:par>
+                            </p:childTnLst>
+                          </p:cTn>
+                        </p:par>
+                      </p:childTnLst>
+                    </p:cTn>
+                  </p:par>
+                  <p:par>
+                    <p:cTn id="8" fill="hold">
+                      <p:stCondLst>
+                        <p:cond delay="indefinite"/>
+                      </p:stCondLst>
+                      <p:childTnLst>
+                        <p:par>
+                          <p:cTn id="9" fill="hold">
+                            <p:stCondLst>
+                              <p:cond delay="0"/>
+                            </p:stCondLst>
+                            <p:childTnLst>
+                              <p:par>
+                                <p:cTn id="10" presetID="10" presetClass="entr" presetSubtype="0" fill="hold" nodeType="clickEffect">
+                                  <p:stCondLst>
+                                    <p:cond delay="0"/>
+                                  </p:stCondLst>
+                                  <p:childTnLst>
+                                    <p:set>
+                                      <p:cBhvr>
+                                        <p:cTn id="11" dur="1" fill="hold">
+                                          <p:stCondLst>
+                                            <p:cond delay="0"/>
+                                          </p:stCondLst>
+                                        </p:cTn>
+                                        <p:tgtEl>
+                                          <p:spTgt spid="7"/>
+                                        </p:tgtEl>
+                                        <p:attrNameLst>
+                                          <p:attrName>style.visibility</p:attrName>
+                                        </p:attrNameLst>
+                                      </p:cBhvr>
+                                      <p:to>
+                                        <p:strVal val="visible"/>
+                                      </p:to>
+                                    </p:set>
+                                    <p:animEffect transition="in" filter="fade">
+                                      <p:cBhvr>
+                                        <p:cTn id="12" dur="500"/>
+                                        <p:tgtEl>
+                                          <p:spTgt spid="7"/>
+                                        </p:tgtEl>
+                                      </p:cBhvr>
+                                    </p:animEffect>
+                                  </p:childTnLst>
+                                </p:cTn>
+                              </p:par>
+                              <p:par>
+                                <p:cTn id="13" presetID="10" presetClass="entr" presetSubtype="0" fill="hold" grpId="0" nodeType="withEffect">
+                                  <p:stCondLst>
+                                    <p:cond delay="0"/>
+                                  </p:stCondLst>
+                                  <p:childTnLst>
+                                    <p:set>
+                                      <p:cBhvr>
+                                        <p:cTn id="14" dur="1" fill="hold">
+                                          <p:stCondLst>
+                                            <p:cond delay="0"/>
+                                          </p:stCondLst>
+                                        </p:cTn>
+                                        <p:tgtEl>
+                                          <p:spTgt spid="10"/>
+                                        </p:tgtEl>
+                                        <p:attrNameLst>
+                                          <p:attrName>style.visibility</p:attrName>
+                                        </p:attrNameLst>
+                                      </p:cBhvr>
+                                      <p:to>
+                                        <p:strVal val="visible"/>
+                                      </p:to>
+                                    </p:set>
+                                    <p:animEffect transition="in" filter="fade">
+                                      <p:cBhvr>
+                                        <p:cTn id="15" dur="500"/>
+                                        <p:tgtEl>
+                                          <p:spTgt spid="10"/>
+                                        </p:tgtEl>
+                                      </p:cBhvr>
+                                    </p:animEffect>
+                                  </p:childTnLst>
+                                </p:cTn>
+                              </p:par>
+                            </p:childTnLst>
+                          </p:cTn>
+                        </p:par>
+                      </p:childTnLst>
+                    </p:cTn>
+                  </p:par>
+                  <p:par>
+                    <p:cTn id="16" fill="hold">
+                      <p:stCondLst>
+                        <p:cond delay="indefinite"/>
+                      </p:stCondLst>
+                      <p:childTnLst>
+                        <p:par>
+                          <p:cTn id="17" fill="hold">
+                            <p:stCondLst>
+                              <p:cond delay="0"/>
+                            </p:stCondLst>
+                            <p:childTnLst>
+                              <p:par>
+                                <p:cTn id="18" presetID="10" presetClass="entr" presetSubtype="0" fill="hold" nodeType="clickEffect">
+                                  <p:stCondLst>
+                                    <p:cond delay="0"/>
+                                  </p:stCondLst>
+                                  <p:childTnLst>
+                                    <p:set>
+                                      <p:cBhvr>
+                                        <p:cTn id="19" dur="1" fill="hold">
+                                          <p:stCondLst>
+                                            <p:cond delay="0"/>
+                                          </p:stCondLst>
+                                        </p:cTn>
+                                        <p:tgtEl>
+                                          <p:spTgt spid="9"/>
+                                        </p:tgtEl>
+                                        <p:attrNameLst>
+                                          <p:attrName>style.visibility</p:attrName>
+                                        </p:attrNameLst>
+                                      </p:cBhvr>
+                                      <p:to>
+                                        <p:strVal val="visible"/>
+                                      </p:to>
+                                    </p:set>
+                                    <p:animEffect transition="in" filter="fade">
+                                      <p:cBhvr>
+                                        <p:cTn id="20" dur="500"/>
+                                        <p:tgtEl>
+                                          <p:spTgt spid="9"/>
+                                        </p:tgtEl>
+                                      </p:cBhvr>
+                                    </p:animEffect>
+                                  </p:childTnLst>
+                                </p:cTn>
+                              </p:par>
+                              <p:par>
+                                <p:cTn id="21" presetID="10" presetClass="entr" presetSubtype="0" fill="hold" grpId="0" nodeType="withEffect">
+                                  <p:stCondLst>
+                                    <p:cond delay="0"/>
+                                  </p:stCondLst>
+                                  <p:childTnLst>
+                                    <p:set>
+                                      <p:cBhvr>
+                                        <p:cTn id="22" dur="1" fill="hold">
+                                          <p:stCondLst>
+                                            <p:cond delay="0"/>
+                                          </p:stCondLst>
+                                        </p:cTn>
+                                        <p:tgtEl>
+                                          <p:spTgt spid="11"/>
+                                        </p:tgtEl>
+                                        <p:attrNameLst>
+                                          <p:attrName>style.visibility</p:attrName>
+                                        </p:attrNameLst>
+                                      </p:cBhvr>
+                                      <p:to>
+                                        <p:strVal val="visible"/>
+                                      </p:to>
+                                    </p:set>
+                                    <p:animEffect transition="in" filter="fade">
+                                      <p:cBhvr>
+                                        <p:cTn id="23" dur="500"/>
+                                        <p:tgtEl>
+                                          <p:spTgt spid="11"/>
+                                        </p:tgtEl>
+                                      </p:cBhvr>
+                                    </p:animEffect>
+                                  </p:childTnLst>
+                                </p:cTn>
+                              </p:par>
+                            </p:childTnLst>
+                          </p:cTn>
+                        </p:par>
+                      </p:childTnLst>
+                    </p:cTn>
+                  </p:par>
+                </p:childTnLst>
+              </p:cTn>
+              <p:prevCondLst>
+                <p:cond evt="onPrev" delay="0">
+                  <p:tgtEl>
+                    <p:sldTgt/>
+                  </p:tgtEl>
+                </p:cond>
+              </p:prevCondLst>
+              <p:nextCondLst>
+                <p:cond evt="onNext" delay="0">
+                  <p:tgtEl>
+                    <p:sldTgt/>
+                  </p:tgtEl>
+                </p:cond>
+              </p:nextCondLst>
+            </p:seq>
+          </p:childTnLst>
+        </p:cTn>
+      </p:par>
+    </p:tnLst>
+    <p:bldLst>
+      <p:bldP spid="10" grpId="0"/>
+      <p:bldP spid="11" grpId="0"/>
+    </p:bldLst>
+  </p:timing>
+</p:sld>
+</file>
+
+<file path=ppt/slides/slide14.xml><?xml version="1.0" encoding="utf-8"?>
+<p:sld xmlns:a="http://schemas.openxmlformats.org/drawingml/2006/main" xmlns:r="http://schemas.openxmlformats.org/officeDocument/2006/relationships" xmlns:p="http://schemas.openxmlformats.org/presentationml/2006/main">
+  <p:cSld>
+    <p:spTree>
+      <p:nvGrpSpPr>
+        <p:cNvPr id="1" name=""/>
+        <p:cNvGrpSpPr/>
+        <p:nvPr/>
+      </p:nvGrpSpPr>
+      <p:grpSpPr>
+        <a:xfrm>
+          <a:off x="0" y="0"/>
+          <a:ext cx="0" cy="0"/>
+          <a:chOff x="0" y="0"/>
+          <a:chExt cx="0" cy="0"/>
+        </a:xfrm>
+      </p:grpSpPr>
+      <p:sp>
+        <p:nvSpPr>
+          <p:cNvPr id="2" name="Title 1">
+            <a:extLst>
+              <a:ext uri="{FF2B5EF4-FFF2-40B4-BE49-F238E27FC236}">
+                <a16:creationId xmlns:a16="http://schemas.microsoft.com/office/drawing/2014/main" id="{529D243D-B1B5-44B6-ABB4-09BEC1197655}"/>
+              </a:ext>
+            </a:extLst>
+          </p:cNvPr>
+          <p:cNvSpPr>
+            <a:spLocks noGrp="1"/>
+          </p:cNvSpPr>
+          <p:nvPr>
+            <p:ph type="title"/>
+          </p:nvPr>
+        </p:nvSpPr>
+        <p:spPr/>
+        <p:txBody>
+          <a:bodyPr/>
+          <a:lstStyle/>
+          <a:p>
+            <a:r>
+              <a:rPr lang="en-US" dirty="0"/>
+              <a:t>Component Lifecycle</a:t>
+            </a:r>
+          </a:p>
+        </p:txBody>
+      </p:sp>
+      <p:pic>
+        <p:nvPicPr>
+          <p:cNvPr id="5" name="Picture 4">
+            <a:extLst>
+              <a:ext uri="{FF2B5EF4-FFF2-40B4-BE49-F238E27FC236}">
+                <a16:creationId xmlns:a16="http://schemas.microsoft.com/office/drawing/2014/main" id="{DD5803EB-1A96-4AC9-9FED-252A8EE24F52}"/>
+              </a:ext>
+            </a:extLst>
+          </p:cNvPr>
+          <p:cNvPicPr>
+            <a:picLocks noChangeAspect="1"/>
+          </p:cNvPicPr>
+          <p:nvPr/>
+        </p:nvPicPr>
+        <p:blipFill>
+          <a:blip r:embed="rId2"/>
+          <a:stretch>
+            <a:fillRect/>
+          </a:stretch>
+        </p:blipFill>
+        <p:spPr>
+          <a:xfrm>
+            <a:off x="838200" y="1875848"/>
+            <a:ext cx="2662989" cy="4476825"/>
+          </a:xfrm>
+          <a:prstGeom prst="rect">
+            <a:avLst/>
+          </a:prstGeom>
+        </p:spPr>
+      </p:pic>
+      <p:pic>
+        <p:nvPicPr>
+          <p:cNvPr id="1026" name="Picture 2" descr="Document Object Model (DOM) event processing">
+            <a:extLst>
+              <a:ext uri="{FF2B5EF4-FFF2-40B4-BE49-F238E27FC236}">
+                <a16:creationId xmlns:a16="http://schemas.microsoft.com/office/drawing/2014/main" id="{A70473F1-B66B-4086-97FB-B5AEB0188EB6}"/>
+              </a:ext>
+            </a:extLst>
+          </p:cNvPr>
+          <p:cNvPicPr>
+            <a:picLocks noChangeAspect="1" noChangeArrowheads="1"/>
+          </p:cNvPicPr>
+          <p:nvPr/>
+        </p:nvPicPr>
+        <p:blipFill>
+          <a:blip r:embed="rId3">
+            <a:extLst>
+              <a:ext uri="{28A0092B-C50C-407E-A947-70E740481C1C}">
+                <a14:useLocalDpi xmlns:a14="http://schemas.microsoft.com/office/drawing/2010/main" val="0"/>
+              </a:ext>
+            </a:extLst>
+          </a:blip>
+          <a:srcRect/>
+          <a:stretch>
+            <a:fillRect/>
+          </a:stretch>
+        </p:blipFill>
+        <p:spPr bwMode="auto">
+          <a:xfrm>
+            <a:off x="4023438" y="1842836"/>
+            <a:ext cx="2568113" cy="2183732"/>
+          </a:xfrm>
+          <a:prstGeom prst="rect">
+            <a:avLst/>
+          </a:prstGeom>
+          <a:noFill/>
+          <a:extLst>
+            <a:ext uri="{909E8E84-426E-40DD-AFC4-6F175D3DCCD1}">
+              <a14:hiddenFill xmlns:a14="http://schemas.microsoft.com/office/drawing/2010/main">
+                <a:solidFill>
+                  <a:srgbClr val="FFFFFF"/>
+                </a:solidFill>
+              </a14:hiddenFill>
+            </a:ext>
+          </a:extLst>
+        </p:spPr>
+      </p:pic>
+      <p:pic>
+        <p:nvPicPr>
+          <p:cNvPr id="1028" name="Picture 4" descr="Render lifecycle">
+            <a:extLst>
+              <a:ext uri="{FF2B5EF4-FFF2-40B4-BE49-F238E27FC236}">
+                <a16:creationId xmlns:a16="http://schemas.microsoft.com/office/drawing/2014/main" id="{E40D8A21-5329-48C0-96AD-9B84A40318F0}"/>
+              </a:ext>
+            </a:extLst>
+          </p:cNvPr>
+          <p:cNvPicPr>
+            <a:picLocks noChangeAspect="1" noChangeArrowheads="1"/>
+          </p:cNvPicPr>
+          <p:nvPr/>
+        </p:nvPicPr>
+        <p:blipFill>
+          <a:blip r:embed="rId4">
+            <a:extLst>
+              <a:ext uri="{28A0092B-C50C-407E-A947-70E740481C1C}">
+                <a14:useLocalDpi xmlns:a14="http://schemas.microsoft.com/office/drawing/2010/main" val="0"/>
+              </a:ext>
+            </a:extLst>
+          </a:blip>
+          <a:srcRect/>
+          <a:stretch>
+            <a:fillRect/>
+          </a:stretch>
+        </p:blipFill>
+        <p:spPr bwMode="auto">
+          <a:xfrm>
+            <a:off x="7113800" y="1875848"/>
+            <a:ext cx="2559594" cy="3608972"/>
+          </a:xfrm>
+          <a:prstGeom prst="rect">
+            <a:avLst/>
+          </a:prstGeom>
+          <a:noFill/>
+          <a:extLst>
+            <a:ext uri="{909E8E84-426E-40DD-AFC4-6F175D3DCCD1}">
+              <a14:hiddenFill xmlns:a14="http://schemas.microsoft.com/office/drawing/2010/main">
+                <a:solidFill>
+                  <a:srgbClr val="FFFFFF"/>
+                </a:solidFill>
+              </a14:hiddenFill>
+            </a:ext>
+          </a:extLst>
+        </p:spPr>
+      </p:pic>
+    </p:spTree>
+    <p:extLst>
+      <p:ext uri="{BB962C8B-B14F-4D97-AF65-F5344CB8AC3E}">
+        <p14:creationId xmlns:p14="http://schemas.microsoft.com/office/powerpoint/2010/main" val="4202104473"/>
+      </p:ext>
+    </p:extLst>
+  </p:cSld>
+  <p:clrMapOvr>
+    <a:masterClrMapping/>
+  </p:clrMapOvr>
+  <p:timing>
+    <p:tnLst>
+      <p:par>
+        <p:cTn id="1" dur="indefinite" restart="never" nodeType="tmRoot">
+          <p:childTnLst>
+            <p:seq concurrent="1" nextAc="seek">
+              <p:cTn id="2" dur="indefinite" nodeType="mainSeq">
+                <p:childTnLst>
+                  <p:par>
+                    <p:cTn id="3" fill="hold">
+                      <p:stCondLst>
+                        <p:cond delay="indefinite"/>
+                      </p:stCondLst>
+                      <p:childTnLst>
+                        <p:par>
+                          <p:cTn id="4" fill="hold">
+                            <p:stCondLst>
+                              <p:cond delay="0"/>
+                            </p:stCondLst>
+                            <p:childTnLst>
+                              <p:par>
+                                <p:cTn id="5" presetID="10" presetClass="entr" presetSubtype="0" fill="hold" nodeType="clickEffect">
+                                  <p:stCondLst>
+                                    <p:cond delay="0"/>
+                                  </p:stCondLst>
+                                  <p:childTnLst>
+                                    <p:set>
+                                      <p:cBhvr>
+                                        <p:cTn id="6" dur="1" fill="hold">
+                                          <p:stCondLst>
+                                            <p:cond delay="0"/>
+                                          </p:stCondLst>
+                                        </p:cTn>
+                                        <p:tgtEl>
+                                          <p:spTgt spid="5"/>
+                                        </p:tgtEl>
+                                        <p:attrNameLst>
+                                          <p:attrName>style.visibility</p:attrName>
+                                        </p:attrNameLst>
+                                      </p:cBhvr>
+                                      <p:to>
+                                        <p:strVal val="visible"/>
+                                      </p:to>
+                                    </p:set>
+                                    <p:animEffect transition="in" filter="fade">
+                                      <p:cBhvr>
+                                        <p:cTn id="7" dur="500"/>
+                                        <p:tgtEl>
+                                          <p:spTgt spid="5"/>
+                                        </p:tgtEl>
+                                      </p:cBhvr>
+                                    </p:animEffect>
+                                  </p:childTnLst>
+                                </p:cTn>
+                              </p:par>
+                            </p:childTnLst>
+                          </p:cTn>
+                        </p:par>
+                      </p:childTnLst>
+                    </p:cTn>
+                  </p:par>
+                  <p:par>
+                    <p:cTn id="8" fill="hold">
+                      <p:stCondLst>
+                        <p:cond delay="indefinite"/>
+                      </p:stCondLst>
+                      <p:childTnLst>
+                        <p:par>
+                          <p:cTn id="9" fill="hold">
+                            <p:stCondLst>
+                              <p:cond delay="0"/>
+                            </p:stCondLst>
+                            <p:childTnLst>
+                              <p:par>
+                                <p:cTn id="10" presetID="10" presetClass="entr" presetSubtype="0" fill="hold" nodeType="clickEffect">
+                                  <p:stCondLst>
+                                    <p:cond delay="0"/>
+                                  </p:stCondLst>
+                                  <p:childTnLst>
+                                    <p:set>
+                                      <p:cBhvr>
+                                        <p:cTn id="11" dur="1" fill="hold">
+                                          <p:stCondLst>
+                                            <p:cond delay="0"/>
+                                          </p:stCondLst>
+                                        </p:cTn>
+                                        <p:tgtEl>
+                                          <p:spTgt spid="1026"/>
+                                        </p:tgtEl>
+                                        <p:attrNameLst>
+                                          <p:attrName>style.visibility</p:attrName>
+                                        </p:attrNameLst>
+                                      </p:cBhvr>
+                                      <p:to>
+                                        <p:strVal val="visible"/>
+                                      </p:to>
+                                    </p:set>
+                                    <p:animEffect transition="in" filter="fade">
+                                      <p:cBhvr>
+                                        <p:cTn id="12" dur="500"/>
+                                        <p:tgtEl>
+                                          <p:spTgt spid="1026"/>
+                                        </p:tgtEl>
+                                      </p:cBhvr>
+                                    </p:animEffect>
+                                  </p:childTnLst>
+                                </p:cTn>
+                              </p:par>
+                            </p:childTnLst>
+                          </p:cTn>
+                        </p:par>
+                      </p:childTnLst>
+                    </p:cTn>
+                  </p:par>
+                  <p:par>
+                    <p:cTn id="13" fill="hold">
+                      <p:stCondLst>
+                        <p:cond delay="indefinite"/>
+                      </p:stCondLst>
+                      <p:childTnLst>
+                        <p:par>
+                          <p:cTn id="14" fill="hold">
+                            <p:stCondLst>
+                              <p:cond delay="0"/>
+                            </p:stCondLst>
+                            <p:childTnLst>
+                              <p:par>
+                                <p:cTn id="15" presetID="10" presetClass="entr" presetSubtype="0" fill="hold" nodeType="clickEffect">
+                                  <p:stCondLst>
+                                    <p:cond delay="0"/>
+                                  </p:stCondLst>
+                                  <p:childTnLst>
+                                    <p:set>
+                                      <p:cBhvr>
+                                        <p:cTn id="16" dur="1" fill="hold">
+                                          <p:stCondLst>
+                                            <p:cond delay="0"/>
+                                          </p:stCondLst>
+                                        </p:cTn>
+                                        <p:tgtEl>
+                                          <p:spTgt spid="1028"/>
+                                        </p:tgtEl>
+                                        <p:attrNameLst>
+                                          <p:attrName>style.visibility</p:attrName>
+                                        </p:attrNameLst>
+                                      </p:cBhvr>
+                                      <p:to>
+                                        <p:strVal val="visible"/>
+                                      </p:to>
+                                    </p:set>
+                                    <p:animEffect transition="in" filter="fade">
+                                      <p:cBhvr>
+                                        <p:cTn id="17" dur="500"/>
+                                        <p:tgtEl>
+                                          <p:spTgt spid="1028"/>
+                                        </p:tgtEl>
+                                      </p:cBhvr>
+                                    </p:animEffect>
+                                  </p:childTnLst>
+                                </p:cTn>
+                              </p:par>
+                            </p:childTnLst>
+                          </p:cTn>
+                        </p:par>
+                      </p:childTnLst>
+                    </p:cTn>
+                  </p:par>
+                </p:childTnLst>
+              </p:cTn>
+              <p:prevCondLst>
+                <p:cond evt="onPrev" delay="0">
+                  <p:tgtEl>
+                    <p:sldTgt/>
+                  </p:tgtEl>
+                </p:cond>
+              </p:prevCondLst>
+              <p:nextCondLst>
+                <p:cond evt="onNext" delay="0">
+                  <p:tgtEl>
+                    <p:sldTgt/>
+                  </p:tgtEl>
+                </p:cond>
+              </p:nextCondLst>
+            </p:seq>
+          </p:childTnLst>
+        </p:cTn>
+      </p:par>
+    </p:tnLst>
+  </p:timing>
+</p:sld>
+</file>
+
+<file path=ppt/slides/slide15.xml><?xml version="1.0" encoding="utf-8"?>
+<p:sld xmlns:a="http://schemas.openxmlformats.org/drawingml/2006/main" xmlns:r="http://schemas.openxmlformats.org/officeDocument/2006/relationships" xmlns:p="http://schemas.openxmlformats.org/presentationml/2006/main">
+  <p:cSld>
+    <p:spTree>
+      <p:nvGrpSpPr>
+        <p:cNvPr id="1" name=""/>
+        <p:cNvGrpSpPr/>
+        <p:nvPr/>
+      </p:nvGrpSpPr>
+      <p:grpSpPr>
+        <a:xfrm>
+          <a:off x="0" y="0"/>
+          <a:ext cx="0" cy="0"/>
+          <a:chOff x="0" y="0"/>
+          <a:chExt cx="0" cy="0"/>
+        </a:xfrm>
+      </p:grpSpPr>
+      <p:sp>
+        <p:nvSpPr>
+          <p:cNvPr id="2" name="Title 1">
+            <a:extLst>
+              <a:ext uri="{FF2B5EF4-FFF2-40B4-BE49-F238E27FC236}">
+                <a16:creationId xmlns:a16="http://schemas.microsoft.com/office/drawing/2014/main" id="{CAB4206C-3599-445C-8584-0F26E969F49A}"/>
+              </a:ext>
+            </a:extLst>
+          </p:cNvPr>
+          <p:cNvSpPr>
+            <a:spLocks noGrp="1"/>
+          </p:cNvSpPr>
+          <p:nvPr>
+            <p:ph type="title"/>
+          </p:nvPr>
+        </p:nvSpPr>
+        <p:spPr/>
+        <p:txBody>
+          <a:bodyPr>
+            <a:normAutofit/>
+          </a:bodyPr>
+          <a:lstStyle/>
+          <a:p>
+            <a:r>
+              <a:rPr lang="en-US" dirty="0"/>
+              <a:t>Component Libraries</a:t>
+            </a:r>
+            <a:br>
+              <a:rPr lang="en-US" dirty="0"/>
+            </a:br>
+            <a:r>
+              <a:rPr lang="en-US" sz="2400" dirty="0">
+                <a:hlinkClick r:id="rId2"/>
+              </a:rPr>
+              <a:t>https://github.com/AdrienTorris/awesome-blazor</a:t>
+            </a:r>
+            <a:r>
+              <a:rPr lang="en-US" sz="2400" dirty="0"/>
+              <a:t> </a:t>
+            </a:r>
+            <a:endParaRPr lang="en-US" dirty="0"/>
+          </a:p>
+        </p:txBody>
+      </p:sp>
+      <p:sp>
+        <p:nvSpPr>
+          <p:cNvPr id="3" name="Content Placeholder 2">
+            <a:extLst>
+              <a:ext uri="{FF2B5EF4-FFF2-40B4-BE49-F238E27FC236}">
+                <a16:creationId xmlns:a16="http://schemas.microsoft.com/office/drawing/2014/main" id="{EF032B27-7B13-44A6-AAFB-09D888D970FD}"/>
+              </a:ext>
+            </a:extLst>
+          </p:cNvPr>
+          <p:cNvSpPr>
+            <a:spLocks noGrp="1"/>
+          </p:cNvSpPr>
+          <p:nvPr>
+            <p:ph idx="1"/>
+          </p:nvPr>
+        </p:nvSpPr>
+        <p:spPr>
+          <a:xfrm>
+            <a:off x="782052" y="1755566"/>
+            <a:ext cx="4812632" cy="2144796"/>
+          </a:xfrm>
+        </p:spPr>
+        <p:txBody>
+          <a:bodyPr>
+            <a:normAutofit/>
+          </a:bodyPr>
+          <a:lstStyle/>
+          <a:p>
+            <a:r>
+              <a:rPr lang="en-US" sz="2400" dirty="0" err="1"/>
+              <a:t>Blazorise</a:t>
+            </a:r>
+            <a:r>
+              <a:rPr lang="en-US" sz="2400" dirty="0">
+                <a:solidFill>
+                  <a:schemeClr val="accent3"/>
+                </a:solidFill>
+              </a:rPr>
+              <a:t> | blazorise.com</a:t>
+            </a:r>
+          </a:p>
+          <a:p>
+            <a:r>
+              <a:rPr lang="en-US" sz="2400" dirty="0" err="1"/>
+              <a:t>MatBlazor</a:t>
+            </a:r>
+            <a:r>
+              <a:rPr lang="en-US" sz="2400" dirty="0">
+                <a:solidFill>
+                  <a:schemeClr val="accent3"/>
+                </a:solidFill>
+              </a:rPr>
+              <a:t> |matblazor.com</a:t>
+            </a:r>
+          </a:p>
+          <a:p>
+            <a:r>
+              <a:rPr lang="en-US" sz="2400" dirty="0" err="1"/>
+              <a:t>BlazorStrap</a:t>
+            </a:r>
+            <a:r>
+              <a:rPr lang="en-US" sz="2400" dirty="0">
+                <a:solidFill>
+                  <a:schemeClr val="accent3"/>
+                </a:solidFill>
+              </a:rPr>
+              <a:t> | blazorstrap.io</a:t>
+            </a:r>
+          </a:p>
+          <a:p>
+            <a:r>
+              <a:rPr lang="en-US" sz="2400" dirty="0"/>
+              <a:t>Ant Design </a:t>
+            </a:r>
+            <a:r>
+              <a:rPr lang="en-US" sz="2400" dirty="0" err="1"/>
+              <a:t>Blazor</a:t>
+            </a:r>
+            <a:r>
+              <a:rPr lang="en-US" sz="2400" dirty="0"/>
+              <a:t> </a:t>
+            </a:r>
+            <a:r>
+              <a:rPr lang="en-US" sz="2400" dirty="0">
+                <a:solidFill>
+                  <a:schemeClr val="accent3"/>
+                </a:solidFill>
+              </a:rPr>
+              <a:t>| antblazor.com</a:t>
+            </a:r>
+          </a:p>
+        </p:txBody>
+      </p:sp>
+      <p:pic>
+        <p:nvPicPr>
+          <p:cNvPr id="2052" name="Picture 4">
+            <a:extLst>
+              <a:ext uri="{FF2B5EF4-FFF2-40B4-BE49-F238E27FC236}">
+                <a16:creationId xmlns:a16="http://schemas.microsoft.com/office/drawing/2014/main" id="{E52E6C69-CE43-4B7A-B2B3-E23F52D9F800}"/>
+              </a:ext>
+            </a:extLst>
+          </p:cNvPr>
+          <p:cNvPicPr>
+            <a:picLocks noChangeAspect="1" noChangeArrowheads="1"/>
+          </p:cNvPicPr>
+          <p:nvPr/>
+        </p:nvPicPr>
+        <p:blipFill>
+          <a:blip r:embed="rId3">
+            <a:extLst>
+              <a:ext uri="{28A0092B-C50C-407E-A947-70E740481C1C}">
+                <a14:useLocalDpi xmlns:a14="http://schemas.microsoft.com/office/drawing/2010/main" val="0"/>
+              </a:ext>
+            </a:extLst>
+          </a:blip>
+          <a:srcRect/>
+          <a:stretch>
+            <a:fillRect/>
+          </a:stretch>
+        </p:blipFill>
+        <p:spPr bwMode="auto">
+          <a:xfrm>
+            <a:off x="782052" y="3719889"/>
+            <a:ext cx="8048576" cy="2772986"/>
+          </a:xfrm>
+          <a:prstGeom prst="rect">
+            <a:avLst/>
+          </a:prstGeom>
+          <a:noFill/>
+          <a:extLst>
+            <a:ext uri="{909E8E84-426E-40DD-AFC4-6F175D3DCCD1}">
+              <a14:hiddenFill xmlns:a14="http://schemas.microsoft.com/office/drawing/2010/main">
+                <a:solidFill>
+                  <a:srgbClr val="FFFFFF"/>
+                </a:solidFill>
+              </a14:hiddenFill>
+            </a:ext>
+          </a:extLst>
+        </p:spPr>
+      </p:pic>
+    </p:spTree>
+    <p:extLst>
+      <p:ext uri="{BB962C8B-B14F-4D97-AF65-F5344CB8AC3E}">
+        <p14:creationId xmlns:p14="http://schemas.microsoft.com/office/powerpoint/2010/main" val="1713205890"/>
+      </p:ext>
+    </p:extLst>
+  </p:cSld>
+  <p:clrMapOvr>
+    <a:masterClrMapping/>
+  </p:clrMapOvr>
+</p:sld>
+</file>
+
+<file path=ppt/slides/slide16.xml><?xml version="1.0" encoding="utf-8"?>
+<p:sld xmlns:a="http://schemas.openxmlformats.org/drawingml/2006/main" xmlns:r="http://schemas.openxmlformats.org/officeDocument/2006/relationships" xmlns:p="http://schemas.openxmlformats.org/presentationml/2006/main">
+  <p:cSld>
+    <p:spTree>
+      <p:nvGrpSpPr>
+        <p:cNvPr id="1" name=""/>
+        <p:cNvGrpSpPr/>
+        <p:nvPr/>
+      </p:nvGrpSpPr>
+      <p:grpSpPr>
+        <a:xfrm>
+          <a:off x="0" y="0"/>
+          <a:ext cx="0" cy="0"/>
+          <a:chOff x="0" y="0"/>
+          <a:chExt cx="0" cy="0"/>
+        </a:xfrm>
+      </p:grpSpPr>
+      <p:sp>
+        <p:nvSpPr>
+          <p:cNvPr id="2" name="Title 1">
+            <a:extLst>
+              <a:ext uri="{FF2B5EF4-FFF2-40B4-BE49-F238E27FC236}">
+                <a16:creationId xmlns:a16="http://schemas.microsoft.com/office/drawing/2014/main" id="{BF831CFB-1EB5-4BEB-9E18-846792B08FCF}"/>
+              </a:ext>
+            </a:extLst>
+          </p:cNvPr>
+          <p:cNvSpPr>
+            <a:spLocks noGrp="1"/>
+          </p:cNvSpPr>
+          <p:nvPr>
+            <p:ph type="title"/>
+          </p:nvPr>
+        </p:nvSpPr>
+        <p:spPr/>
+        <p:txBody>
+          <a:bodyPr/>
+          <a:lstStyle/>
+          <a:p>
+            <a:r>
+              <a:rPr lang="en-US" dirty="0"/>
+              <a:t>Thanks &amp; Questions..?</a:t>
+            </a:r>
+          </a:p>
+        </p:txBody>
+      </p:sp>
+      <p:sp>
+        <p:nvSpPr>
+          <p:cNvPr id="4" name="Title 1">
+            <a:extLst>
+              <a:ext uri="{FF2B5EF4-FFF2-40B4-BE49-F238E27FC236}">
+                <a16:creationId xmlns:a16="http://schemas.microsoft.com/office/drawing/2014/main" id="{74A510CC-417F-43BD-986B-F70597A84D62}"/>
+              </a:ext>
+            </a:extLst>
+          </p:cNvPr>
+          <p:cNvSpPr txBox="1">
+            <a:spLocks/>
+          </p:cNvSpPr>
+          <p:nvPr/>
+        </p:nvSpPr>
+        <p:spPr>
+          <a:xfrm>
+            <a:off x="2834845" y="5456208"/>
+            <a:ext cx="2751222" cy="973668"/>
+          </a:xfrm>
+          <a:prstGeom prst="rect">
+            <a:avLst/>
+          </a:prstGeom>
+        </p:spPr>
+        <p:txBody>
+          <a:bodyPr vert="horz" lIns="91440" tIns="45720" rIns="91440" bIns="45720" rtlCol="0" anchor="ctr">
+            <a:normAutofit fontScale="55000" lnSpcReduction="20000"/>
+          </a:bodyPr>
+          <a:lstStyle>
+            <a:lvl1pPr algn="l" defTabSz="914400" rtl="0" eaLnBrk="1" latinLnBrk="0" hangingPunct="1">
+              <a:lnSpc>
+                <a:spcPct val="90000"/>
+              </a:lnSpc>
+              <a:spcBef>
+                <a:spcPct val="0"/>
+              </a:spcBef>
+              <a:buNone/>
+              <a:defRPr sz="4400" kern="1200">
+                <a:solidFill>
+                  <a:schemeClr val="tx1"/>
+                </a:solidFill>
+                <a:latin typeface="+mj-lt"/>
+                <a:ea typeface="+mj-ea"/>
+                <a:cs typeface="+mj-cs"/>
+              </a:defRPr>
+            </a:lvl1pPr>
+          </a:lstStyle>
+          <a:p>
+            <a:pPr algn="ctr">
+              <a:lnSpc>
+                <a:spcPct val="100000"/>
+              </a:lnSpc>
+            </a:pPr>
+            <a:br>
+              <a:rPr lang="en-US" sz="4000" dirty="0">
+                <a:latin typeface="HelveticaNeueLT Std Med Cn" panose="020B0606030502030204" pitchFamily="34" charset="0"/>
+              </a:rPr>
+            </a:br>
+            <a:r>
+              <a:rPr lang="en-US" sz="4000" dirty="0">
+                <a:latin typeface="HelveticaNeueLT Std Med Cn" panose="020B0606030502030204" pitchFamily="34" charset="0"/>
+              </a:rPr>
+              <a:t>Halil İbrahim Kalkan</a:t>
+            </a:r>
+            <a:r>
+              <a:rPr lang="en-US" sz="2800" dirty="0">
+                <a:latin typeface="HelveticaNeueLT Std" panose="020B0604020202020204" pitchFamily="34" charset="0"/>
+              </a:rPr>
+              <a:t>               </a:t>
+            </a:r>
+            <a:r>
+              <a:rPr lang="en-US" sz="4000" dirty="0">
+                <a:latin typeface="HelveticaNeueLT Std" panose="020B0604020202020204" pitchFamily="34" charset="0"/>
+              </a:rPr>
+              <a:t> </a:t>
+            </a:r>
+            <a:br>
+              <a:rPr lang="en-US" sz="4000" dirty="0">
+                <a:latin typeface="HelveticaNeueLT Std" panose="020B0604020202020204" pitchFamily="34" charset="0"/>
+              </a:rPr>
+            </a:br>
+            <a:endParaRPr lang="en-US" sz="4000" dirty="0">
+              <a:latin typeface="HelveticaNeueLT Std Med Cn" panose="020B0606030502030204" pitchFamily="34" charset="0"/>
+            </a:endParaRPr>
+          </a:p>
+        </p:txBody>
+      </p:sp>
+      <p:sp>
+        <p:nvSpPr>
+          <p:cNvPr id="5" name="Content Placeholder 2">
+            <a:extLst>
+              <a:ext uri="{FF2B5EF4-FFF2-40B4-BE49-F238E27FC236}">
+                <a16:creationId xmlns:a16="http://schemas.microsoft.com/office/drawing/2014/main" id="{2E67568A-386A-4EC2-B40F-A0D96C79210B}"/>
+              </a:ext>
+            </a:extLst>
+          </p:cNvPr>
+          <p:cNvSpPr txBox="1">
+            <a:spLocks/>
+          </p:cNvSpPr>
+          <p:nvPr/>
+        </p:nvSpPr>
+        <p:spPr>
+          <a:xfrm>
+            <a:off x="6164178" y="3666289"/>
+            <a:ext cx="4415589" cy="1256010"/>
+          </a:xfrm>
+          <a:prstGeom prst="rect">
+            <a:avLst/>
+          </a:prstGeom>
+        </p:spPr>
+        <p:txBody>
+          <a:bodyPr vert="horz" lIns="91440" tIns="45720" rIns="91440" bIns="45720" rtlCol="0">
+            <a:normAutofit/>
+          </a:bodyPr>
+          <a:lstStyle>
+            <a:lvl1pPr marL="228600" indent="-228600" algn="l" defTabSz="914400" rtl="0" eaLnBrk="1" latinLnBrk="0" hangingPunct="1">
+              <a:lnSpc>
+                <a:spcPct val="90000"/>
+              </a:lnSpc>
+              <a:spcBef>
+                <a:spcPts val="1000"/>
+              </a:spcBef>
+              <a:buFont typeface="Arial" panose="020B0604020202020204" pitchFamily="34" charset="0"/>
+              <a:buChar char="•"/>
+              <a:defRPr sz="2800" kern="1200">
+                <a:solidFill>
+                  <a:schemeClr val="tx1"/>
+                </a:solidFill>
+                <a:latin typeface="+mn-lt"/>
+                <a:ea typeface="+mn-ea"/>
+                <a:cs typeface="+mn-cs"/>
+              </a:defRPr>
+            </a:lvl1pPr>
+            <a:lvl2pPr marL="685800" indent="-228600" algn="l" defTabSz="914400" rtl="0" eaLnBrk="1" latinLnBrk="0" hangingPunct="1">
+              <a:lnSpc>
+                <a:spcPct val="90000"/>
+              </a:lnSpc>
+              <a:spcBef>
+                <a:spcPts val="500"/>
+              </a:spcBef>
+              <a:buFont typeface="Arial" panose="020B0604020202020204" pitchFamily="34" charset="0"/>
+              <a:buChar char="•"/>
+              <a:defRPr sz="2400" kern="1200">
+                <a:solidFill>
+                  <a:schemeClr val="tx1"/>
+                </a:solidFill>
+                <a:latin typeface="+mn-lt"/>
+                <a:ea typeface="+mn-ea"/>
+                <a:cs typeface="+mn-cs"/>
+              </a:defRPr>
+            </a:lvl2pPr>
+            <a:lvl3pPr marL="1143000" indent="-228600" algn="l" defTabSz="914400" rtl="0" eaLnBrk="1" latinLnBrk="0" hangingPunct="1">
+              <a:lnSpc>
+                <a:spcPct val="90000"/>
+              </a:lnSpc>
+              <a:spcBef>
+                <a:spcPts val="500"/>
+              </a:spcBef>
+              <a:buFont typeface="Arial" panose="020B0604020202020204" pitchFamily="34" charset="0"/>
+              <a:buChar char="•"/>
+              <a:defRPr sz="2000" kern="1200">
+                <a:solidFill>
+                  <a:schemeClr val="tx1"/>
+                </a:solidFill>
+                <a:latin typeface="+mn-lt"/>
+                <a:ea typeface="+mn-ea"/>
+                <a:cs typeface="+mn-cs"/>
+              </a:defRPr>
+            </a:lvl3pPr>
+            <a:lvl4pPr marL="1600200" indent="-228600" algn="l" defTabSz="914400" rtl="0" eaLnBrk="1" latinLnBrk="0" hangingPunct="1">
+              <a:lnSpc>
+                <a:spcPct val="90000"/>
+              </a:lnSpc>
+              <a:spcBef>
+                <a:spcPts val="500"/>
+              </a:spcBef>
+              <a:buFont typeface="Arial" panose="020B0604020202020204" pitchFamily="34" charset="0"/>
+              <a:buChar char="•"/>
+              <a:defRPr sz="1800" kern="1200">
+                <a:solidFill>
+                  <a:schemeClr val="tx1"/>
+                </a:solidFill>
+                <a:latin typeface="+mn-lt"/>
+                <a:ea typeface="+mn-ea"/>
+                <a:cs typeface="+mn-cs"/>
+              </a:defRPr>
+            </a:lvl4pPr>
+            <a:lvl5pPr marL="2057400" indent="-228600" algn="l" defTabSz="914400" rtl="0" eaLnBrk="1" latinLnBrk="0" hangingPunct="1">
+              <a:lnSpc>
+                <a:spcPct val="90000"/>
+              </a:lnSpc>
+              <a:spcBef>
+                <a:spcPts val="500"/>
+              </a:spcBef>
+              <a:buFont typeface="Arial" panose="020B0604020202020204" pitchFamily="34" charset="0"/>
+              <a:buChar char="•"/>
+              <a:defRPr sz="1800" kern="1200">
+                <a:solidFill>
+                  <a:schemeClr val="tx1"/>
+                </a:solidFill>
+                <a:latin typeface="+mn-lt"/>
+                <a:ea typeface="+mn-ea"/>
+                <a:cs typeface="+mn-cs"/>
+              </a:defRPr>
+            </a:lvl5pPr>
+            <a:lvl6pPr marL="2514600" indent="-228600" algn="l" defTabSz="914400" rtl="0" eaLnBrk="1" latinLnBrk="0" hangingPunct="1">
+              <a:lnSpc>
+                <a:spcPct val="90000"/>
+              </a:lnSpc>
+              <a:spcBef>
+                <a:spcPts val="500"/>
+              </a:spcBef>
+              <a:buFont typeface="Arial" panose="020B0604020202020204" pitchFamily="34" charset="0"/>
+              <a:buChar char="•"/>
+              <a:defRPr sz="1800" kern="1200">
+                <a:solidFill>
+                  <a:schemeClr val="tx1"/>
+                </a:solidFill>
+                <a:latin typeface="+mn-lt"/>
+                <a:ea typeface="+mn-ea"/>
+                <a:cs typeface="+mn-cs"/>
+              </a:defRPr>
+            </a:lvl6pPr>
+            <a:lvl7pPr marL="2971800" indent="-228600" algn="l" defTabSz="914400" rtl="0" eaLnBrk="1" latinLnBrk="0" hangingPunct="1">
+              <a:lnSpc>
+                <a:spcPct val="90000"/>
+              </a:lnSpc>
+              <a:spcBef>
+                <a:spcPts val="500"/>
+              </a:spcBef>
+              <a:buFont typeface="Arial" panose="020B0604020202020204" pitchFamily="34" charset="0"/>
+              <a:buChar char="•"/>
+              <a:defRPr sz="1800" kern="1200">
+                <a:solidFill>
+                  <a:schemeClr val="tx1"/>
+                </a:solidFill>
+                <a:latin typeface="+mn-lt"/>
+                <a:ea typeface="+mn-ea"/>
+                <a:cs typeface="+mn-cs"/>
+              </a:defRPr>
+            </a:lvl7pPr>
+            <a:lvl8pPr marL="3429000" indent="-228600" algn="l" defTabSz="914400" rtl="0" eaLnBrk="1" latinLnBrk="0" hangingPunct="1">
+              <a:lnSpc>
+                <a:spcPct val="90000"/>
+              </a:lnSpc>
+              <a:spcBef>
+                <a:spcPts val="500"/>
+              </a:spcBef>
+              <a:buFont typeface="Arial" panose="020B0604020202020204" pitchFamily="34" charset="0"/>
+              <a:buChar char="•"/>
+              <a:defRPr sz="1800" kern="1200">
+                <a:solidFill>
+                  <a:schemeClr val="tx1"/>
+                </a:solidFill>
+                <a:latin typeface="+mn-lt"/>
+                <a:ea typeface="+mn-ea"/>
+                <a:cs typeface="+mn-cs"/>
+              </a:defRPr>
+            </a:lvl8pPr>
+            <a:lvl9pPr marL="3886200" indent="-228600" algn="l" defTabSz="914400" rtl="0" eaLnBrk="1" latinLnBrk="0" hangingPunct="1">
+              <a:lnSpc>
+                <a:spcPct val="90000"/>
+              </a:lnSpc>
+              <a:spcBef>
+                <a:spcPts val="500"/>
+              </a:spcBef>
+              <a:buFont typeface="Arial" panose="020B0604020202020204" pitchFamily="34" charset="0"/>
+              <a:buChar char="•"/>
+              <a:defRPr sz="1800" kern="1200">
+                <a:solidFill>
+                  <a:schemeClr val="tx1"/>
+                </a:solidFill>
+                <a:latin typeface="+mn-lt"/>
+                <a:ea typeface="+mn-ea"/>
+                <a:cs typeface="+mn-cs"/>
+              </a:defRPr>
+            </a:lvl9pPr>
+          </a:lstStyle>
+          <a:p>
+            <a:pPr marL="0" indent="0">
+              <a:lnSpc>
+                <a:spcPct val="100000"/>
+              </a:lnSpc>
+              <a:buFont typeface="Arial" panose="020B0604020202020204" pitchFamily="34" charset="0"/>
+              <a:buNone/>
+            </a:pPr>
+            <a:r>
+              <a:rPr lang="en-US" sz="1600" b="1" dirty="0">
+                <a:latin typeface="HelveticaNeueLT Std" panose="020B0604020202020204" pitchFamily="34" charset="0"/>
+              </a:rPr>
+              <a:t>Web: </a:t>
+            </a:r>
+            <a:r>
+              <a:rPr lang="en-US" sz="1600" dirty="0">
+                <a:latin typeface="HelveticaNeueLT Std" panose="020B0604020202020204" pitchFamily="34" charset="0"/>
+              </a:rPr>
+              <a:t>halilibrahimkalkan.com</a:t>
+            </a:r>
+          </a:p>
+          <a:p>
+            <a:pPr marL="0" indent="0">
+              <a:lnSpc>
+                <a:spcPct val="100000"/>
+              </a:lnSpc>
+              <a:buFont typeface="Arial" panose="020B0604020202020204" pitchFamily="34" charset="0"/>
+              <a:buNone/>
+            </a:pPr>
+            <a:r>
+              <a:rPr lang="en-US" sz="1600" b="1" dirty="0" err="1">
+                <a:latin typeface="HelveticaNeueLT Std" panose="020B0604020202020204" pitchFamily="34" charset="0"/>
+              </a:rPr>
+              <a:t>Github</a:t>
+            </a:r>
+            <a:r>
+              <a:rPr lang="en-US" sz="1600" b="1" dirty="0">
+                <a:latin typeface="HelveticaNeueLT Std" panose="020B0604020202020204" pitchFamily="34" charset="0"/>
+              </a:rPr>
+              <a:t>: </a:t>
+            </a:r>
+            <a:r>
+              <a:rPr lang="en-US" sz="1600" dirty="0">
+                <a:latin typeface="HelveticaNeueLT Std" panose="020B0604020202020204" pitchFamily="34" charset="0"/>
+              </a:rPr>
+              <a:t>@hikalkan</a:t>
+            </a:r>
+          </a:p>
+          <a:p>
+            <a:pPr marL="0" indent="0">
+              <a:lnSpc>
+                <a:spcPct val="100000"/>
+              </a:lnSpc>
+              <a:buFont typeface="Arial" panose="020B0604020202020204" pitchFamily="34" charset="0"/>
+              <a:buNone/>
+            </a:pPr>
+            <a:r>
+              <a:rPr lang="en-US" sz="1600" b="1" dirty="0">
+                <a:latin typeface="HelveticaNeueLT Std" panose="020B0604020202020204" pitchFamily="34" charset="0"/>
+              </a:rPr>
+              <a:t>Twitter: </a:t>
+            </a:r>
+            <a:r>
+              <a:rPr lang="en-US" sz="1600" dirty="0">
+                <a:latin typeface="HelveticaNeueLT Std" panose="020B0604020202020204" pitchFamily="34" charset="0"/>
+              </a:rPr>
+              <a:t>@hibrahimkalkan</a:t>
+            </a:r>
+          </a:p>
+          <a:p>
+            <a:pPr>
+              <a:lnSpc>
+                <a:spcPct val="100000"/>
+              </a:lnSpc>
+            </a:pPr>
+            <a:endParaRPr lang="en-US" sz="1600" dirty="0">
+              <a:latin typeface="HelveticaNeueLT Std" panose="020B0604020202020204" pitchFamily="34" charset="0"/>
+            </a:endParaRPr>
+          </a:p>
+        </p:txBody>
+      </p:sp>
+      <p:pic>
+        <p:nvPicPr>
+          <p:cNvPr id="8" name="Picture 7">
+            <a:extLst>
+              <a:ext uri="{FF2B5EF4-FFF2-40B4-BE49-F238E27FC236}">
+                <a16:creationId xmlns:a16="http://schemas.microsoft.com/office/drawing/2014/main" id="{0969EBFA-25C4-4234-90F2-A4F52AC10727}"/>
+              </a:ext>
+            </a:extLst>
+          </p:cNvPr>
+          <p:cNvPicPr>
+            <a:picLocks noChangeAspect="1"/>
+          </p:cNvPicPr>
+          <p:nvPr/>
+        </p:nvPicPr>
+        <p:blipFill>
+          <a:blip r:embed="rId2"/>
+          <a:stretch>
+            <a:fillRect/>
+          </a:stretch>
+        </p:blipFill>
+        <p:spPr>
+          <a:xfrm>
+            <a:off x="2767736" y="2845248"/>
+            <a:ext cx="2885440" cy="2680004"/>
+          </a:xfrm>
+          <a:prstGeom prst="rect">
+            <a:avLst/>
+          </a:prstGeom>
+        </p:spPr>
+      </p:pic>
+      <p:sp>
+        <p:nvSpPr>
+          <p:cNvPr id="11" name="TextBox 10">
+            <a:extLst>
+              <a:ext uri="{FF2B5EF4-FFF2-40B4-BE49-F238E27FC236}">
+                <a16:creationId xmlns:a16="http://schemas.microsoft.com/office/drawing/2014/main" id="{9B6D1DE6-BE22-4ABD-BB66-8A5A69EE9B14}"/>
+              </a:ext>
+            </a:extLst>
+          </p:cNvPr>
+          <p:cNvSpPr txBox="1"/>
+          <p:nvPr/>
+        </p:nvSpPr>
+        <p:spPr>
+          <a:xfrm>
+            <a:off x="838200" y="1927884"/>
+            <a:ext cx="6440906" cy="461665"/>
+          </a:xfrm>
+          <a:prstGeom prst="rect">
+            <a:avLst/>
+          </a:prstGeom>
+          <a:noFill/>
+        </p:spPr>
+        <p:txBody>
+          <a:bodyPr wrap="square">
+            <a:spAutoFit/>
+          </a:bodyPr>
+          <a:lstStyle/>
+          <a:p>
+            <a:r>
+              <a:rPr lang="en-US" sz="2400" i="1" dirty="0">
+                <a:solidFill>
+                  <a:schemeClr val="accent1"/>
+                </a:solidFill>
+                <a:hlinkClick r:id="rId3">
+                  <a:extLst>
+                    <a:ext uri="{A12FA001-AC4F-418D-AE19-62706E023703}">
+                      <ahyp:hlinkClr xmlns:ahyp="http://schemas.microsoft.com/office/drawing/2018/hyperlinkcolor" val="tx"/>
+                    </a:ext>
+                  </a:extLst>
+                </a:hlinkClick>
+              </a:rPr>
+              <a:t>https://github.com/hikalkan/presentations</a:t>
+            </a:r>
+            <a:endParaRPr lang="en-US" sz="2400" i="1" dirty="0">
+              <a:solidFill>
+                <a:schemeClr val="accent1"/>
+              </a:solidFill>
+            </a:endParaRPr>
+          </a:p>
+        </p:txBody>
+      </p:sp>
+      <p:sp>
+        <p:nvSpPr>
+          <p:cNvPr id="12" name="TextBox 11">
+            <a:extLst>
+              <a:ext uri="{FF2B5EF4-FFF2-40B4-BE49-F238E27FC236}">
+                <a16:creationId xmlns:a16="http://schemas.microsoft.com/office/drawing/2014/main" id="{59FAE19A-2EEA-4CC4-88F1-E93620DE3987}"/>
+              </a:ext>
+            </a:extLst>
+          </p:cNvPr>
+          <p:cNvSpPr txBox="1"/>
+          <p:nvPr/>
+        </p:nvSpPr>
+        <p:spPr>
+          <a:xfrm>
+            <a:off x="838200" y="1519685"/>
+            <a:ext cx="3765326" cy="461665"/>
+          </a:xfrm>
+          <a:prstGeom prst="rect">
+            <a:avLst/>
+          </a:prstGeom>
+          <a:noFill/>
+        </p:spPr>
+        <p:txBody>
+          <a:bodyPr wrap="none" rtlCol="0">
+            <a:spAutoFit/>
+          </a:bodyPr>
+          <a:lstStyle/>
+          <a:p>
+            <a:r>
+              <a:rPr lang="en-US" sz="2400" dirty="0"/>
+              <a:t>Presentation &amp; Source Code:</a:t>
+            </a:r>
+          </a:p>
+        </p:txBody>
+      </p:sp>
+    </p:spTree>
+    <p:extLst>
+      <p:ext uri="{BB962C8B-B14F-4D97-AF65-F5344CB8AC3E}">
+        <p14:creationId xmlns:p14="http://schemas.microsoft.com/office/powerpoint/2010/main" val="1144099914"/>
+      </p:ext>
+    </p:extLst>
+  </p:cSld>
+  <p:clrMapOvr>
+    <a:masterClrMapping/>
+  </p:clrMapOvr>
 </p:sld>
 </file>
 
